--- a/Reference materials/Advanced JAVA/2 Multithreading.pptx
+++ b/Reference materials/Advanced JAVA/2 Multithreading.pptx
@@ -217,7 +217,7 @@
           <a:p>
             <a:fld id="{CBDFB359-B0C7-4C2A-B5E6-DC0AAC7DC740}" type="datetimeFigureOut">
               <a:rPr lang="en-IN" smtClean="0"/>
-              <a:t>30-03-2021</a:t>
+              <a:t>24-03-2021</a:t>
             </a:fld>
             <a:endParaRPr lang="en-IN"/>
           </a:p>
@@ -281,35 +281,35 @@
           <a:p>
             <a:pPr lvl="0"/>
             <a:r>
-              <a:rPr lang="en-US"/>
+              <a:rPr lang="en-US" smtClean="0"/>
               <a:t>Click to edit Master text styles</a:t>
             </a:r>
           </a:p>
           <a:p>
             <a:pPr lvl="1"/>
             <a:r>
-              <a:rPr lang="en-US"/>
+              <a:rPr lang="en-US" smtClean="0"/>
               <a:t>Second level</a:t>
             </a:r>
           </a:p>
           <a:p>
             <a:pPr lvl="2"/>
             <a:r>
-              <a:rPr lang="en-US"/>
+              <a:rPr lang="en-US" smtClean="0"/>
               <a:t>Third level</a:t>
             </a:r>
           </a:p>
           <a:p>
             <a:pPr lvl="3"/>
             <a:r>
-              <a:rPr lang="en-US"/>
+              <a:rPr lang="en-US" smtClean="0"/>
               <a:t>Fourth level</a:t>
             </a:r>
           </a:p>
           <a:p>
             <a:pPr lvl="4"/>
             <a:r>
-              <a:rPr lang="en-US"/>
+              <a:rPr lang="en-US" smtClean="0"/>
               <a:t>Fifth level</a:t>
             </a:r>
             <a:endParaRPr lang="en-IN"/>
@@ -655,9 +655,10 @@
           </a:lstStyle>
           <a:p>
             <a:r>
-              <a:rPr kumimoji="0" lang="en-US"/>
+              <a:rPr kumimoji="0" lang="en-US" smtClean="0"/>
               <a:t>Click to edit Master subtitle style</a:t>
             </a:r>
+            <a:endParaRPr kumimoji="0" lang="en-US"/>
           </a:p>
         </p:txBody>
       </p:sp>
@@ -679,7 +680,7 @@
             <a:fld id="{1D8BD707-D9CF-40AE-B4C6-C98DA3205C09}" type="datetimeFigureOut">
               <a:rPr lang="en-US" smtClean="0"/>
               <a:pPr/>
-              <a:t>3/30/2021</a:t>
+              <a:t>3/24/2021</a:t>
             </a:fld>
             <a:endParaRPr lang="en-US"/>
           </a:p>
@@ -909,9 +910,10 @@
           </a:lstStyle>
           <a:p>
             <a:r>
-              <a:rPr kumimoji="0" lang="en-US"/>
+              <a:rPr kumimoji="0" lang="en-US" smtClean="0"/>
               <a:t>Click to edit Master title style</a:t>
             </a:r>
+            <a:endParaRPr kumimoji="0" lang="en-US"/>
           </a:p>
         </p:txBody>
       </p:sp>
@@ -956,9 +958,10 @@
           <a:lstStyle/>
           <a:p>
             <a:r>
-              <a:rPr kumimoji="0" lang="en-US"/>
+              <a:rPr kumimoji="0" lang="en-US" smtClean="0"/>
               <a:t>Click to edit Master title style</a:t>
             </a:r>
+            <a:endParaRPr kumimoji="0" lang="en-US"/>
           </a:p>
         </p:txBody>
       </p:sp>
@@ -979,35 +982,35 @@
           <a:p>
             <a:pPr lvl="0" eaLnBrk="1" latinLnBrk="0" hangingPunct="1"/>
             <a:r>
-              <a:rPr lang="en-US"/>
+              <a:rPr lang="en-US" smtClean="0"/>
               <a:t>Click to edit Master text styles</a:t>
             </a:r>
           </a:p>
           <a:p>
             <a:pPr lvl="1" eaLnBrk="1" latinLnBrk="0" hangingPunct="1"/>
             <a:r>
-              <a:rPr lang="en-US"/>
+              <a:rPr lang="en-US" smtClean="0"/>
               <a:t>Second level</a:t>
             </a:r>
           </a:p>
           <a:p>
             <a:pPr lvl="2" eaLnBrk="1" latinLnBrk="0" hangingPunct="1"/>
             <a:r>
-              <a:rPr lang="en-US"/>
+              <a:rPr lang="en-US" smtClean="0"/>
               <a:t>Third level</a:t>
             </a:r>
           </a:p>
           <a:p>
             <a:pPr lvl="3" eaLnBrk="1" latinLnBrk="0" hangingPunct="1"/>
             <a:r>
-              <a:rPr lang="en-US"/>
+              <a:rPr lang="en-US" smtClean="0"/>
               <a:t>Fourth level</a:t>
             </a:r>
           </a:p>
           <a:p>
             <a:pPr lvl="4" eaLnBrk="1" latinLnBrk="0" hangingPunct="1"/>
             <a:r>
-              <a:rPr lang="en-US"/>
+              <a:rPr lang="en-US" smtClean="0"/>
               <a:t>Fifth level</a:t>
             </a:r>
             <a:endParaRPr kumimoji="0" lang="en-US"/>
@@ -1032,7 +1035,7 @@
             <a:fld id="{1D8BD707-D9CF-40AE-B4C6-C98DA3205C09}" type="datetimeFigureOut">
               <a:rPr lang="en-US" smtClean="0"/>
               <a:pPr/>
-              <a:t>3/30/2021</a:t>
+              <a:t>3/24/2021</a:t>
             </a:fld>
             <a:endParaRPr lang="en-US"/>
           </a:p>
@@ -1127,9 +1130,10 @@
           <a:lstStyle/>
           <a:p>
             <a:r>
-              <a:rPr kumimoji="0" lang="en-US"/>
+              <a:rPr kumimoji="0" lang="en-US" smtClean="0"/>
               <a:t>Click to edit Master title style</a:t>
             </a:r>
+            <a:endParaRPr kumimoji="0" lang="en-US"/>
           </a:p>
         </p:txBody>
       </p:sp>
@@ -1155,35 +1159,35 @@
           <a:p>
             <a:pPr lvl="0" eaLnBrk="1" latinLnBrk="0" hangingPunct="1"/>
             <a:r>
-              <a:rPr lang="en-US"/>
+              <a:rPr lang="en-US" smtClean="0"/>
               <a:t>Click to edit Master text styles</a:t>
             </a:r>
           </a:p>
           <a:p>
             <a:pPr lvl="1" eaLnBrk="1" latinLnBrk="0" hangingPunct="1"/>
             <a:r>
-              <a:rPr lang="en-US"/>
+              <a:rPr lang="en-US" smtClean="0"/>
               <a:t>Second level</a:t>
             </a:r>
           </a:p>
           <a:p>
             <a:pPr lvl="2" eaLnBrk="1" latinLnBrk="0" hangingPunct="1"/>
             <a:r>
-              <a:rPr lang="en-US"/>
+              <a:rPr lang="en-US" smtClean="0"/>
               <a:t>Third level</a:t>
             </a:r>
           </a:p>
           <a:p>
             <a:pPr lvl="3" eaLnBrk="1" latinLnBrk="0" hangingPunct="1"/>
             <a:r>
-              <a:rPr lang="en-US"/>
+              <a:rPr lang="en-US" smtClean="0"/>
               <a:t>Fourth level</a:t>
             </a:r>
           </a:p>
           <a:p>
             <a:pPr lvl="4" eaLnBrk="1" latinLnBrk="0" hangingPunct="1"/>
             <a:r>
-              <a:rPr lang="en-US"/>
+              <a:rPr lang="en-US" smtClean="0"/>
               <a:t>Fifth level</a:t>
             </a:r>
             <a:endParaRPr kumimoji="0" lang="en-US"/>
@@ -1208,7 +1212,7 @@
             <a:fld id="{1D8BD707-D9CF-40AE-B4C6-C98DA3205C09}" type="datetimeFigureOut">
               <a:rPr lang="en-US" smtClean="0"/>
               <a:pPr/>
-              <a:t>3/30/2021</a:t>
+              <a:t>3/24/2021</a:t>
             </a:fld>
             <a:endParaRPr lang="en-US"/>
           </a:p>
@@ -1298,9 +1302,10 @@
           <a:lstStyle/>
           <a:p>
             <a:r>
-              <a:rPr kumimoji="0" lang="en-US"/>
+              <a:rPr kumimoji="0" lang="en-US" smtClean="0"/>
               <a:t>Click to edit Master title style</a:t>
             </a:r>
+            <a:endParaRPr kumimoji="0" lang="en-US"/>
           </a:p>
         </p:txBody>
       </p:sp>
@@ -1322,7 +1327,7 @@
             <a:fld id="{1D8BD707-D9CF-40AE-B4C6-C98DA3205C09}" type="datetimeFigureOut">
               <a:rPr lang="en-US" smtClean="0"/>
               <a:pPr/>
-              <a:t>3/30/2021</a:t>
+              <a:t>3/24/2021</a:t>
             </a:fld>
             <a:endParaRPr lang="en-US"/>
           </a:p>
@@ -1393,35 +1398,35 @@
           <a:p>
             <a:pPr lvl="0" eaLnBrk="1" latinLnBrk="0" hangingPunct="1"/>
             <a:r>
-              <a:rPr lang="en-US"/>
+              <a:rPr lang="en-US" smtClean="0"/>
               <a:t>Click to edit Master text styles</a:t>
             </a:r>
           </a:p>
           <a:p>
             <a:pPr lvl="1" eaLnBrk="1" latinLnBrk="0" hangingPunct="1"/>
             <a:r>
-              <a:rPr lang="en-US"/>
+              <a:rPr lang="en-US" smtClean="0"/>
               <a:t>Second level</a:t>
             </a:r>
           </a:p>
           <a:p>
             <a:pPr lvl="2" eaLnBrk="1" latinLnBrk="0" hangingPunct="1"/>
             <a:r>
-              <a:rPr lang="en-US"/>
+              <a:rPr lang="en-US" smtClean="0"/>
               <a:t>Third level</a:t>
             </a:r>
           </a:p>
           <a:p>
             <a:pPr lvl="3" eaLnBrk="1" latinLnBrk="0" hangingPunct="1"/>
             <a:r>
-              <a:rPr lang="en-US"/>
+              <a:rPr lang="en-US" smtClean="0"/>
               <a:t>Fourth level</a:t>
             </a:r>
           </a:p>
           <a:p>
             <a:pPr lvl="4" eaLnBrk="1" latinLnBrk="0" hangingPunct="1"/>
             <a:r>
-              <a:rPr lang="en-US"/>
+              <a:rPr lang="en-US" smtClean="0"/>
               <a:t>Fifth level</a:t>
             </a:r>
             <a:endParaRPr kumimoji="0" lang="en-US"/>
@@ -1578,9 +1583,10 @@
           </a:lstStyle>
           <a:p>
             <a:r>
-              <a:rPr kumimoji="0" lang="en-US"/>
+              <a:rPr kumimoji="0" lang="en-US" smtClean="0"/>
               <a:t>Click to edit Master title style</a:t>
             </a:r>
+            <a:endParaRPr kumimoji="0" lang="en-US"/>
           </a:p>
         </p:txBody>
       </p:sp>
@@ -1657,7 +1663,7 @@
           <a:p>
             <a:pPr lvl="0" eaLnBrk="1" latinLnBrk="0" hangingPunct="1"/>
             <a:r>
-              <a:rPr kumimoji="0" lang="en-US"/>
+              <a:rPr kumimoji="0" lang="en-US" smtClean="0"/>
               <a:t>Click to edit Master text styles</a:t>
             </a:r>
           </a:p>
@@ -1681,7 +1687,7 @@
             <a:fld id="{1D8BD707-D9CF-40AE-B4C6-C98DA3205C09}" type="datetimeFigureOut">
               <a:rPr lang="en-US" smtClean="0"/>
               <a:pPr/>
-              <a:t>3/30/2021</a:t>
+              <a:t>3/24/2021</a:t>
             </a:fld>
             <a:endParaRPr lang="en-US"/>
           </a:p>
@@ -1923,9 +1929,10 @@
           <a:lstStyle/>
           <a:p>
             <a:r>
-              <a:rPr kumimoji="0" lang="en-US"/>
+              <a:rPr kumimoji="0" lang="en-US" smtClean="0"/>
               <a:t>Click to edit Master title style</a:t>
             </a:r>
+            <a:endParaRPr kumimoji="0" lang="en-US"/>
           </a:p>
         </p:txBody>
       </p:sp>
@@ -1947,7 +1954,7 @@
             <a:fld id="{1D8BD707-D9CF-40AE-B4C6-C98DA3205C09}" type="datetimeFigureOut">
               <a:rPr lang="en-US" smtClean="0"/>
               <a:pPr/>
-              <a:t>3/30/2021</a:t>
+              <a:t>3/24/2021</a:t>
             </a:fld>
             <a:endParaRPr lang="en-US"/>
           </a:p>
@@ -2018,35 +2025,35 @@
           <a:p>
             <a:pPr lvl="0" eaLnBrk="1" latinLnBrk="0" hangingPunct="1"/>
             <a:r>
-              <a:rPr lang="en-US"/>
+              <a:rPr lang="en-US" smtClean="0"/>
               <a:t>Click to edit Master text styles</a:t>
             </a:r>
           </a:p>
           <a:p>
             <a:pPr lvl="1" eaLnBrk="1" latinLnBrk="0" hangingPunct="1"/>
             <a:r>
-              <a:rPr lang="en-US"/>
+              <a:rPr lang="en-US" smtClean="0"/>
               <a:t>Second level</a:t>
             </a:r>
           </a:p>
           <a:p>
             <a:pPr lvl="2" eaLnBrk="1" latinLnBrk="0" hangingPunct="1"/>
             <a:r>
-              <a:rPr lang="en-US"/>
+              <a:rPr lang="en-US" smtClean="0"/>
               <a:t>Third level</a:t>
             </a:r>
           </a:p>
           <a:p>
             <a:pPr lvl="3" eaLnBrk="1" latinLnBrk="0" hangingPunct="1"/>
             <a:r>
-              <a:rPr lang="en-US"/>
+              <a:rPr lang="en-US" smtClean="0"/>
               <a:t>Fourth level</a:t>
             </a:r>
           </a:p>
           <a:p>
             <a:pPr lvl="4" eaLnBrk="1" latinLnBrk="0" hangingPunct="1"/>
             <a:r>
-              <a:rPr lang="en-US"/>
+              <a:rPr lang="en-US" smtClean="0"/>
               <a:t>Fifth level</a:t>
             </a:r>
             <a:endParaRPr kumimoji="0" lang="en-US"/>
@@ -2075,35 +2082,35 @@
           <a:p>
             <a:pPr lvl="0" eaLnBrk="1" latinLnBrk="0" hangingPunct="1"/>
             <a:r>
-              <a:rPr lang="en-US"/>
+              <a:rPr lang="en-US" smtClean="0"/>
               <a:t>Click to edit Master text styles</a:t>
             </a:r>
           </a:p>
           <a:p>
             <a:pPr lvl="1" eaLnBrk="1" latinLnBrk="0" hangingPunct="1"/>
             <a:r>
-              <a:rPr lang="en-US"/>
+              <a:rPr lang="en-US" smtClean="0"/>
               <a:t>Second level</a:t>
             </a:r>
           </a:p>
           <a:p>
             <a:pPr lvl="2" eaLnBrk="1" latinLnBrk="0" hangingPunct="1"/>
             <a:r>
-              <a:rPr lang="en-US"/>
+              <a:rPr lang="en-US" smtClean="0"/>
               <a:t>Third level</a:t>
             </a:r>
           </a:p>
           <a:p>
             <a:pPr lvl="3" eaLnBrk="1" latinLnBrk="0" hangingPunct="1"/>
             <a:r>
-              <a:rPr lang="en-US"/>
+              <a:rPr lang="en-US" smtClean="0"/>
               <a:t>Fourth level</a:t>
             </a:r>
           </a:p>
           <a:p>
             <a:pPr lvl="4" eaLnBrk="1" latinLnBrk="0" hangingPunct="1"/>
             <a:r>
-              <a:rPr lang="en-US"/>
+              <a:rPr lang="en-US" smtClean="0"/>
               <a:t>Fifth level</a:t>
             </a:r>
             <a:endParaRPr kumimoji="0" lang="en-US"/>
@@ -2160,9 +2167,10 @@
           </a:lstStyle>
           <a:p>
             <a:r>
-              <a:rPr kumimoji="0" lang="en-US"/>
+              <a:rPr kumimoji="0" lang="en-US" smtClean="0"/>
               <a:t>Click to edit Master title style</a:t>
             </a:r>
+            <a:endParaRPr kumimoji="0" lang="en-US"/>
           </a:p>
         </p:txBody>
       </p:sp>
@@ -2223,7 +2231,7 @@
           <a:p>
             <a:pPr lvl="0" eaLnBrk="1" latinLnBrk="0" hangingPunct="1"/>
             <a:r>
-              <a:rPr kumimoji="0" lang="en-US"/>
+              <a:rPr kumimoji="0" lang="en-US" smtClean="0"/>
               <a:t>Click to edit Master text styles</a:t>
             </a:r>
           </a:p>
@@ -2286,7 +2294,7 @@
           <a:p>
             <a:pPr lvl="0" eaLnBrk="1" latinLnBrk="0" hangingPunct="1"/>
             <a:r>
-              <a:rPr kumimoji="0" lang="en-US"/>
+              <a:rPr kumimoji="0" lang="en-US" smtClean="0"/>
               <a:t>Click to edit Master text styles</a:t>
             </a:r>
           </a:p>
@@ -2310,7 +2318,7 @@
             <a:fld id="{1D8BD707-D9CF-40AE-B4C6-C98DA3205C09}" type="datetimeFigureOut">
               <a:rPr lang="en-US" smtClean="0"/>
               <a:pPr/>
-              <a:t>3/30/2021</a:t>
+              <a:t>3/24/2021</a:t>
             </a:fld>
             <a:endParaRPr lang="en-US"/>
           </a:p>
@@ -2381,35 +2389,35 @@
           <a:p>
             <a:pPr lvl="0" eaLnBrk="1" latinLnBrk="0" hangingPunct="1"/>
             <a:r>
-              <a:rPr lang="en-US"/>
+              <a:rPr lang="en-US" smtClean="0"/>
               <a:t>Click to edit Master text styles</a:t>
             </a:r>
           </a:p>
           <a:p>
             <a:pPr lvl="1" eaLnBrk="1" latinLnBrk="0" hangingPunct="1"/>
             <a:r>
-              <a:rPr lang="en-US"/>
+              <a:rPr lang="en-US" smtClean="0"/>
               <a:t>Second level</a:t>
             </a:r>
           </a:p>
           <a:p>
             <a:pPr lvl="2" eaLnBrk="1" latinLnBrk="0" hangingPunct="1"/>
             <a:r>
-              <a:rPr lang="en-US"/>
+              <a:rPr lang="en-US" smtClean="0"/>
               <a:t>Third level</a:t>
             </a:r>
           </a:p>
           <a:p>
             <a:pPr lvl="3" eaLnBrk="1" latinLnBrk="0" hangingPunct="1"/>
             <a:r>
-              <a:rPr lang="en-US"/>
+              <a:rPr lang="en-US" smtClean="0"/>
               <a:t>Fourth level</a:t>
             </a:r>
           </a:p>
           <a:p>
             <a:pPr lvl="4" eaLnBrk="1" latinLnBrk="0" hangingPunct="1"/>
             <a:r>
-              <a:rPr lang="en-US"/>
+              <a:rPr lang="en-US" smtClean="0"/>
               <a:t>Fifth level</a:t>
             </a:r>
             <a:endParaRPr kumimoji="0" lang="en-US"/>
@@ -2438,35 +2446,35 @@
           <a:p>
             <a:pPr lvl="0" eaLnBrk="1" latinLnBrk="0" hangingPunct="1"/>
             <a:r>
-              <a:rPr lang="en-US"/>
+              <a:rPr lang="en-US" smtClean="0"/>
               <a:t>Click to edit Master text styles</a:t>
             </a:r>
           </a:p>
           <a:p>
             <a:pPr lvl="1" eaLnBrk="1" latinLnBrk="0" hangingPunct="1"/>
             <a:r>
-              <a:rPr lang="en-US"/>
+              <a:rPr lang="en-US" smtClean="0"/>
               <a:t>Second level</a:t>
             </a:r>
           </a:p>
           <a:p>
             <a:pPr lvl="2" eaLnBrk="1" latinLnBrk="0" hangingPunct="1"/>
             <a:r>
-              <a:rPr lang="en-US"/>
+              <a:rPr lang="en-US" smtClean="0"/>
               <a:t>Third level</a:t>
             </a:r>
           </a:p>
           <a:p>
             <a:pPr lvl="3" eaLnBrk="1" latinLnBrk="0" hangingPunct="1"/>
             <a:r>
-              <a:rPr lang="en-US"/>
+              <a:rPr lang="en-US" smtClean="0"/>
               <a:t>Fourth level</a:t>
             </a:r>
           </a:p>
           <a:p>
             <a:pPr lvl="4" eaLnBrk="1" latinLnBrk="0" hangingPunct="1"/>
             <a:r>
-              <a:rPr lang="en-US"/>
+              <a:rPr lang="en-US" smtClean="0"/>
               <a:t>Fifth level</a:t>
             </a:r>
             <a:endParaRPr kumimoji="0" lang="en-US"/>
@@ -2514,9 +2522,10 @@
           <a:lstStyle/>
           <a:p>
             <a:r>
-              <a:rPr kumimoji="0" lang="en-US"/>
+              <a:rPr kumimoji="0" lang="en-US" smtClean="0"/>
               <a:t>Click to edit Master title style</a:t>
             </a:r>
+            <a:endParaRPr kumimoji="0" lang="en-US"/>
           </a:p>
         </p:txBody>
       </p:sp>
@@ -2538,7 +2547,7 @@
             <a:fld id="{1D8BD707-D9CF-40AE-B4C6-C98DA3205C09}" type="datetimeFigureOut">
               <a:rPr lang="en-US" smtClean="0"/>
               <a:pPr/>
-              <a:t>3/30/2021</a:t>
+              <a:t>3/24/2021</a:t>
             </a:fld>
             <a:endParaRPr lang="en-US"/>
           </a:p>
@@ -2630,7 +2639,7 @@
             <a:fld id="{1D8BD707-D9CF-40AE-B4C6-C98DA3205C09}" type="datetimeFigureOut">
               <a:rPr lang="en-US" smtClean="0"/>
               <a:pPr/>
-              <a:t>3/30/2021</a:t>
+              <a:t>3/24/2021</a:t>
             </a:fld>
             <a:endParaRPr lang="en-US"/>
           </a:p>
@@ -2825,9 +2834,10 @@
           </a:lstStyle>
           <a:p>
             <a:r>
-              <a:rPr kumimoji="0" lang="en-US"/>
+              <a:rPr kumimoji="0" lang="en-US" smtClean="0"/>
               <a:t>Click to edit Master title style</a:t>
             </a:r>
+            <a:endParaRPr kumimoji="0" lang="en-US"/>
           </a:p>
         </p:txBody>
       </p:sp>
@@ -2874,7 +2884,7 @@
           <a:p>
             <a:pPr lvl="0" eaLnBrk="1" latinLnBrk="0" hangingPunct="1"/>
             <a:r>
-              <a:rPr kumimoji="0" lang="en-US"/>
+              <a:rPr kumimoji="0" lang="en-US" smtClean="0"/>
               <a:t>Click to edit Master text styles</a:t>
             </a:r>
           </a:p>
@@ -2898,7 +2908,7 @@
             <a:fld id="{1D8BD707-D9CF-40AE-B4C6-C98DA3205C09}" type="datetimeFigureOut">
               <a:rPr lang="en-US" smtClean="0"/>
               <a:pPr/>
-              <a:t>3/30/2021</a:t>
+              <a:t>3/24/2021</a:t>
             </a:fld>
             <a:endParaRPr lang="en-US"/>
           </a:p>
@@ -2969,35 +2979,35 @@
           <a:p>
             <a:pPr lvl="0" eaLnBrk="1" latinLnBrk="0" hangingPunct="1"/>
             <a:r>
-              <a:rPr lang="en-US"/>
+              <a:rPr lang="en-US" smtClean="0"/>
               <a:t>Click to edit Master text styles</a:t>
             </a:r>
           </a:p>
           <a:p>
             <a:pPr lvl="1" eaLnBrk="1" latinLnBrk="0" hangingPunct="1"/>
             <a:r>
-              <a:rPr lang="en-US"/>
+              <a:rPr lang="en-US" smtClean="0"/>
               <a:t>Second level</a:t>
             </a:r>
           </a:p>
           <a:p>
             <a:pPr lvl="2" eaLnBrk="1" latinLnBrk="0" hangingPunct="1"/>
             <a:r>
-              <a:rPr lang="en-US"/>
+              <a:rPr lang="en-US" smtClean="0"/>
               <a:t>Third level</a:t>
             </a:r>
           </a:p>
           <a:p>
             <a:pPr lvl="3" eaLnBrk="1" latinLnBrk="0" hangingPunct="1"/>
             <a:r>
-              <a:rPr lang="en-US"/>
+              <a:rPr lang="en-US" smtClean="0"/>
               <a:t>Fourth level</a:t>
             </a:r>
           </a:p>
           <a:p>
             <a:pPr lvl="4" eaLnBrk="1" latinLnBrk="0" hangingPunct="1"/>
             <a:r>
-              <a:rPr lang="en-US"/>
+              <a:rPr lang="en-US" smtClean="0"/>
               <a:t>Fifth level</a:t>
             </a:r>
             <a:endParaRPr kumimoji="0" lang="en-US"/>
@@ -3057,9 +3067,10 @@
           </a:lstStyle>
           <a:p>
             <a:r>
-              <a:rPr kumimoji="0" lang="en-US"/>
+              <a:rPr kumimoji="0" lang="en-US" smtClean="0"/>
               <a:t>Click to edit Master title style</a:t>
             </a:r>
+            <a:endParaRPr kumimoji="0" lang="en-US"/>
           </a:p>
         </p:txBody>
       </p:sp>
@@ -3103,7 +3114,7 @@
           <a:p>
             <a:pPr lvl="0" eaLnBrk="1" latinLnBrk="0" hangingPunct="1"/>
             <a:r>
-              <a:rPr kumimoji="0" lang="en-US"/>
+              <a:rPr kumimoji="0" lang="en-US" smtClean="0"/>
               <a:t>Click to edit Master text styles</a:t>
             </a:r>
           </a:p>
@@ -3127,7 +3138,7 @@
             <a:fld id="{1D8BD707-D9CF-40AE-B4C6-C98DA3205C09}" type="datetimeFigureOut">
               <a:rPr lang="en-US" smtClean="0"/>
               <a:pPr/>
-              <a:t>3/30/2021</a:t>
+              <a:t>3/24/2021</a:t>
             </a:fld>
             <a:endParaRPr lang="en-US"/>
           </a:p>
@@ -3368,7 +3379,7 @@
           </a:lstStyle>
           <a:p>
             <a:r>
-              <a:rPr kumimoji="0" lang="en-US"/>
+              <a:rPr kumimoji="0" lang="en-US" smtClean="0"/>
               <a:t>Click icon to add picture</a:t>
             </a:r>
             <a:endParaRPr kumimoji="0" lang="en-US" dirty="0"/>
@@ -3525,9 +3536,10 @@
           <a:lstStyle/>
           <a:p>
             <a:r>
-              <a:rPr kumimoji="0" lang="en-US"/>
+              <a:rPr kumimoji="0" lang="en-US" smtClean="0"/>
               <a:t>Click to edit Master title style</a:t>
             </a:r>
+            <a:endParaRPr kumimoji="0" lang="en-US"/>
           </a:p>
         </p:txBody>
       </p:sp>
@@ -3558,37 +3570,38 @@
           <a:p>
             <a:pPr lvl="0" eaLnBrk="1" latinLnBrk="0" hangingPunct="1"/>
             <a:r>
-              <a:rPr kumimoji="0" lang="en-US"/>
+              <a:rPr kumimoji="0" lang="en-US" smtClean="0"/>
               <a:t>Click to edit Master text styles</a:t>
             </a:r>
           </a:p>
           <a:p>
             <a:pPr lvl="1" eaLnBrk="1" latinLnBrk="0" hangingPunct="1"/>
             <a:r>
-              <a:rPr kumimoji="0" lang="en-US"/>
+              <a:rPr kumimoji="0" lang="en-US" smtClean="0"/>
               <a:t>Second level</a:t>
             </a:r>
           </a:p>
           <a:p>
             <a:pPr lvl="2" eaLnBrk="1" latinLnBrk="0" hangingPunct="1"/>
             <a:r>
-              <a:rPr kumimoji="0" lang="en-US"/>
+              <a:rPr kumimoji="0" lang="en-US" smtClean="0"/>
               <a:t>Third level</a:t>
             </a:r>
           </a:p>
           <a:p>
             <a:pPr lvl="3" eaLnBrk="1" latinLnBrk="0" hangingPunct="1"/>
             <a:r>
-              <a:rPr kumimoji="0" lang="en-US"/>
+              <a:rPr kumimoji="0" lang="en-US" smtClean="0"/>
               <a:t>Fourth level</a:t>
             </a:r>
           </a:p>
           <a:p>
             <a:pPr lvl="4" eaLnBrk="1" latinLnBrk="0" hangingPunct="1"/>
             <a:r>
-              <a:rPr kumimoji="0" lang="en-US"/>
+              <a:rPr kumimoji="0" lang="en-US" smtClean="0"/>
               <a:t>Fifth level</a:t>
             </a:r>
+            <a:endParaRPr kumimoji="0" lang="en-US"/>
           </a:p>
         </p:txBody>
       </p:sp>
@@ -3626,7 +3639,7 @@
             <a:fld id="{1D8BD707-D9CF-40AE-B4C6-C98DA3205C09}" type="datetimeFigureOut">
               <a:rPr lang="en-US" smtClean="0"/>
               <a:pPr/>
-              <a:t>3/30/2021</a:t>
+              <a:t>3/24/2021</a:t>
             </a:fld>
             <a:endParaRPr lang="en-US"/>
           </a:p>
@@ -4082,6 +4095,13 @@
   <p:clrMapOvr>
     <a:masterClrMapping/>
   </p:clrMapOvr>
+  <p:timing>
+    <p:tnLst>
+      <p:par>
+        <p:cTn id="1" dur="indefinite" restart="never" nodeType="tmRoot"/>
+      </p:par>
+    </p:tnLst>
+  </p:timing>
 </p:sld>
 </file>
 
@@ -4118,45 +4138,54 @@
           <a:lstStyle/>
           <a:p>
             <a:r>
+              <a:rPr lang="en-IN" dirty="0" smtClean="0"/>
+              <a:t>Thread Priority</a:t>
+            </a:r>
+            <a:endParaRPr lang="en-IN" dirty="0"/>
+          </a:p>
+        </p:txBody>
+      </p:sp>
+      <p:sp>
+        <p:nvSpPr>
+          <p:cNvPr id="3" name="Content Placeholder 2"/>
+          <p:cNvSpPr>
+            <a:spLocks noGrp="1"/>
+          </p:cNvSpPr>
+          <p:nvPr>
+            <p:ph sz="quarter" idx="1"/>
+          </p:nvPr>
+        </p:nvSpPr>
+        <p:spPr/>
+        <p:txBody>
+          <a:bodyPr/>
+          <a:lstStyle/>
+          <a:p>
+            <a:r>
+              <a:rPr lang="en-IN" b="1" dirty="0"/>
+              <a:t>MIN_PRIORITY </a:t>
+            </a:r>
+            <a:r>
+              <a:rPr lang="en-IN" b="1" dirty="0" smtClean="0"/>
+              <a:t>- 1 </a:t>
+            </a:r>
+          </a:p>
+          <a:p>
+            <a:r>
+              <a:rPr lang="en-IN" b="1" dirty="0" smtClean="0"/>
+              <a:t>MAX_PRIORITY</a:t>
+            </a:r>
+            <a:r>
               <a:rPr lang="en-IN" dirty="0"/>
-              <a:t>Thread Priority</a:t>
-            </a:r>
-          </a:p>
-        </p:txBody>
-      </p:sp>
-      <p:sp>
-        <p:nvSpPr>
-          <p:cNvPr id="3" name="Content Placeholder 2"/>
-          <p:cNvSpPr>
-            <a:spLocks noGrp="1"/>
-          </p:cNvSpPr>
-          <p:nvPr>
-            <p:ph sz="quarter" idx="1"/>
-          </p:nvPr>
-        </p:nvSpPr>
-        <p:spPr/>
-        <p:txBody>
-          <a:bodyPr/>
-          <a:lstStyle/>
-          <a:p>
-            <a:r>
-              <a:rPr lang="en-IN" b="1" dirty="0"/>
-              <a:t>MIN_PRIORITY - 1 </a:t>
-            </a:r>
-          </a:p>
-          <a:p>
-            <a:r>
-              <a:rPr lang="en-IN" b="1" dirty="0"/>
-              <a:t>MAX_PRIORITY</a:t>
-            </a:r>
-            <a:r>
-              <a:rPr lang="en-IN" dirty="0"/>
-              <a:t> - 10</a:t>
-            </a:r>
-          </a:p>
-          <a:p>
-            <a:r>
-              <a:rPr lang="en-IN" b="1" dirty="0"/>
+              <a:t> </a:t>
+            </a:r>
+            <a:r>
+              <a:rPr lang="en-IN" dirty="0" smtClean="0"/>
+              <a:t>- 10</a:t>
+            </a:r>
+          </a:p>
+          <a:p>
+            <a:r>
+              <a:rPr lang="en-IN" b="1" dirty="0" smtClean="0"/>
               <a:t>NORM_PRIORITY –  5</a:t>
             </a:r>
           </a:p>
@@ -4165,7 +4194,7 @@
           </a:p>
           <a:p>
             <a:r>
-              <a:rPr lang="en-IN" b="1" dirty="0"/>
+              <a:rPr lang="en-IN" b="1" dirty="0" smtClean="0"/>
               <a:t>Refer ThreadPri.pdf</a:t>
             </a:r>
           </a:p>
@@ -4231,9 +4260,10 @@
           <a:lstStyle/>
           <a:p>
             <a:r>
-              <a:rPr lang="en-IN" dirty="0"/>
+              <a:rPr lang="en-IN" dirty="0" smtClean="0"/>
               <a:t>Multithreading</a:t>
             </a:r>
+            <a:endParaRPr lang="en-IN" dirty="0"/>
           </a:p>
         </p:txBody>
       </p:sp>
@@ -4254,7 +4284,15 @@
           <a:p>
             <a:r>
               <a:rPr lang="en-US" dirty="0"/>
-              <a:t>A multithreaded program contains two or more parts that can run concurrently. Each part of such a program is called a </a:t>
+              <a:t>A multithreaded program contains two or more parts that can </a:t>
+            </a:r>
+            <a:r>
+              <a:rPr lang="en-US" dirty="0" smtClean="0"/>
+              <a:t>run concurrently</a:t>
+            </a:r>
+            <a:r>
+              <a:rPr lang="en-US" dirty="0"/>
+              <a:t>. Each part of such a program is called a </a:t>
             </a:r>
             <a:r>
               <a:rPr lang="en-US" i="1" dirty="0"/>
@@ -4262,23 +4300,56 @@
             </a:r>
             <a:r>
               <a:rPr lang="en-US" dirty="0"/>
-              <a:t>and each thread defines a separate path of execution. </a:t>
-            </a:r>
-          </a:p>
-          <a:p>
+              <a:t>and each thread </a:t>
+            </a:r>
+            <a:r>
+              <a:rPr lang="en-US" dirty="0" smtClean="0"/>
+              <a:t>defines a </a:t>
+            </a:r>
             <a:r>
               <a:rPr lang="en-US" dirty="0"/>
-              <a:t>Multithreading enables you to write very efficient programs that make maximum use of the CPU, because idle time can be kept to a minimum.</a:t>
-            </a:r>
+              <a:t>separate path of execution. </a:t>
+            </a:r>
+            <a:endParaRPr lang="en-US" dirty="0" smtClean="0"/>
           </a:p>
           <a:p>
             <a:r>
               <a:rPr lang="en-US" dirty="0"/>
-              <a:t>The Java run-time system depends on threads for many things, and all the class libraries </a:t>
+              <a:t>Multithreading enables you to write very efficient programs that make maximum use </a:t>
+            </a:r>
+            <a:r>
+              <a:rPr lang="en-US" dirty="0" smtClean="0"/>
+              <a:t>of the </a:t>
+            </a:r>
+            <a:r>
+              <a:rPr lang="en-US" dirty="0"/>
+              <a:t>CPU, because idle time can be kept to a minimum</a:t>
+            </a:r>
+            <a:r>
+              <a:rPr lang="en-US" dirty="0" smtClean="0"/>
+              <a:t>.</a:t>
+            </a:r>
+          </a:p>
+          <a:p>
+            <a:r>
+              <a:rPr lang="en-US" dirty="0"/>
+              <a:t>The Java run-time system depends on threads for many things, and all the class </a:t>
+            </a:r>
+            <a:r>
+              <a:rPr lang="en-US" dirty="0" smtClean="0"/>
+              <a:t>libraries </a:t>
+            </a:r>
+            <a:r>
+              <a:rPr lang="en-IN" dirty="0" smtClean="0"/>
+              <a:t>are </a:t>
             </a:r>
             <a:r>
               <a:rPr lang="en-IN" dirty="0"/>
-              <a:t>are designed with multithreading</a:t>
+              <a:t>designed with </a:t>
+            </a:r>
+            <a:r>
+              <a:rPr lang="en-IN" dirty="0" smtClean="0"/>
+              <a:t>multithreading</a:t>
             </a:r>
           </a:p>
           <a:p>
@@ -4299,6 +4370,13 @@
   <p:clrMapOvr>
     <a:masterClrMapping/>
   </p:clrMapOvr>
+  <p:timing>
+    <p:tnLst>
+      <p:par>
+        <p:cTn id="1" dur="indefinite" restart="never" nodeType="tmRoot"/>
+      </p:par>
+    </p:tnLst>
+  </p:timing>
 </p:sld>
 </file>
 
@@ -4335,9 +4413,10 @@
           <a:lstStyle/>
           <a:p>
             <a:r>
-              <a:rPr lang="en-IN" dirty="0"/>
+              <a:rPr lang="en-IN" dirty="0" smtClean="0"/>
               <a:t>Thread model</a:t>
             </a:r>
+            <a:endParaRPr lang="en-IN" dirty="0"/>
           </a:p>
         </p:txBody>
       </p:sp>
@@ -4451,9 +4530,10 @@
           <a:lstStyle/>
           <a:p>
             <a:r>
-              <a:rPr lang="en-IN" dirty="0"/>
+              <a:rPr lang="en-IN" dirty="0" smtClean="0"/>
               <a:t>Java Thread</a:t>
             </a:r>
+            <a:endParaRPr lang="en-IN" dirty="0"/>
           </a:p>
         </p:txBody>
       </p:sp>
@@ -4473,23 +4553,35 @@
           <a:lstStyle/>
           <a:p>
             <a:r>
-              <a:rPr lang="en-IN" dirty="0"/>
+              <a:rPr lang="en-IN" dirty="0" smtClean="0"/>
               <a:t>Thread states – ready, running, suspended, resumed, blocked. </a:t>
             </a:r>
           </a:p>
           <a:p>
             <a:r>
-              <a:rPr lang="en-IN" dirty="0"/>
+              <a:rPr lang="en-IN" dirty="0" smtClean="0"/>
               <a:t>Thread priorities - </a:t>
             </a:r>
             <a:r>
               <a:rPr lang="en-US" i="1" dirty="0"/>
-              <a:t>A thread can voluntarily relinquish control or A thread can be preempted by a higher-priority thread.</a:t>
-            </a:r>
-          </a:p>
-          <a:p>
-            <a:r>
-              <a:rPr lang="en-IN" b="1" dirty="0"/>
+              <a:t>A thread can voluntarily relinquish </a:t>
+            </a:r>
+            <a:r>
+              <a:rPr lang="en-US" i="1" dirty="0" smtClean="0"/>
+              <a:t>control or </a:t>
+            </a:r>
+            <a:r>
+              <a:rPr lang="en-US" i="1" dirty="0"/>
+              <a:t>A thread can be preempted by a higher-priority thread</a:t>
+            </a:r>
+            <a:r>
+              <a:rPr lang="en-US" i="1" dirty="0" smtClean="0"/>
+              <a:t>.</a:t>
+            </a:r>
+          </a:p>
+          <a:p>
+            <a:r>
+              <a:rPr lang="en-IN" b="1" dirty="0" smtClean="0"/>
               <a:t>Synchronization - </a:t>
             </a:r>
             <a:r>
@@ -4501,18 +4593,22 @@
               <a:t> synchronization: </a:t>
             </a:r>
             <a:r>
-              <a:rPr lang="en-IN" i="1" dirty="0"/>
+              <a:rPr lang="en-IN" i="1" dirty="0" smtClean="0"/>
               <a:t>monitor</a:t>
             </a:r>
           </a:p>
           <a:p>
             <a:r>
-              <a:rPr lang="en-IN" b="1" dirty="0"/>
+              <a:rPr lang="en-IN" b="1" dirty="0" smtClean="0"/>
               <a:t>Messaging - </a:t>
             </a:r>
             <a:r>
               <a:rPr lang="en-IN" dirty="0"/>
-              <a:t>communicate with each other</a:t>
+              <a:t>communicate with each </a:t>
+            </a:r>
+            <a:r>
+              <a:rPr lang="en-IN" dirty="0" smtClean="0"/>
+              <a:t>other</a:t>
             </a:r>
           </a:p>
         </p:txBody>
@@ -4527,6 +4623,13 @@
   <p:clrMapOvr>
     <a:masterClrMapping/>
   </p:clrMapOvr>
+  <p:timing>
+    <p:tnLst>
+      <p:par>
+        <p:cTn id="1" dur="indefinite" restart="never" nodeType="tmRoot"/>
+      </p:par>
+    </p:tnLst>
+  </p:timing>
 </p:sld>
 </file>
 
@@ -4563,9 +4666,10 @@
           <a:lstStyle/>
           <a:p>
             <a:r>
-              <a:rPr lang="en-IN" dirty="0"/>
+              <a:rPr lang="en-IN" dirty="0" smtClean="0"/>
               <a:t>Multithreading</a:t>
             </a:r>
+            <a:endParaRPr lang="en-IN" dirty="0"/>
           </a:p>
         </p:txBody>
       </p:sp>
@@ -4614,12 +4718,16 @@
           <a:p>
             <a:pPr lvl="1"/>
             <a:r>
-              <a:rPr lang="en-US" dirty="0" err="1"/>
+              <a:rPr lang="en-US" dirty="0" err="1" smtClean="0"/>
               <a:t>getName</a:t>
             </a:r>
             <a:r>
+              <a:rPr lang="en-US" dirty="0" smtClean="0"/>
+              <a:t> - Obtain </a:t>
+            </a:r>
+            <a:r>
               <a:rPr lang="en-US" dirty="0"/>
-              <a:t> - Obtain a thread’s name.</a:t>
+              <a:t>a thread’s name.</a:t>
             </a:r>
           </a:p>
           <a:p>
@@ -4630,7 +4738,15 @@
             </a:r>
             <a:r>
               <a:rPr lang="en-US" dirty="0"/>
-              <a:t> - Obtain a thread’s priority.</a:t>
+              <a:t> </a:t>
+            </a:r>
+            <a:r>
+              <a:rPr lang="en-US" dirty="0" smtClean="0"/>
+              <a:t>- Obtain </a:t>
+            </a:r>
+            <a:r>
+              <a:rPr lang="en-US" dirty="0"/>
+              <a:t>a thread’s priority.</a:t>
             </a:r>
           </a:p>
           <a:p>
@@ -4641,35 +4757,71 @@
             </a:r>
             <a:r>
               <a:rPr lang="en-US" dirty="0"/>
-              <a:t> - Determine if a thread is still running.</a:t>
+              <a:t> </a:t>
+            </a:r>
+            <a:r>
+              <a:rPr lang="en-US" dirty="0" smtClean="0"/>
+              <a:t>- Determine </a:t>
+            </a:r>
+            <a:r>
+              <a:rPr lang="en-US" dirty="0"/>
+              <a:t>if a thread is still running.</a:t>
             </a:r>
           </a:p>
           <a:p>
             <a:pPr lvl="1"/>
             <a:r>
               <a:rPr lang="en-US" dirty="0"/>
-              <a:t>join - Wait for a thread to terminate.</a:t>
+              <a:t>join </a:t>
+            </a:r>
+            <a:r>
+              <a:rPr lang="en-US" dirty="0" smtClean="0"/>
+              <a:t>- Wait </a:t>
+            </a:r>
+            <a:r>
+              <a:rPr lang="en-US" dirty="0"/>
+              <a:t>for a thread to terminate.</a:t>
             </a:r>
           </a:p>
           <a:p>
             <a:pPr lvl="1"/>
             <a:r>
               <a:rPr lang="en-US" dirty="0"/>
-              <a:t>run - Entry point for the thread.</a:t>
+              <a:t>run </a:t>
+            </a:r>
+            <a:r>
+              <a:rPr lang="en-US" dirty="0" smtClean="0"/>
+              <a:t>- Entry </a:t>
+            </a:r>
+            <a:r>
+              <a:rPr lang="en-US" dirty="0"/>
+              <a:t>point for the thread.</a:t>
             </a:r>
           </a:p>
           <a:p>
             <a:pPr lvl="1"/>
             <a:r>
               <a:rPr lang="en-US" dirty="0"/>
-              <a:t>sleep - Suspend a thread for a period of time.</a:t>
+              <a:t>sleep </a:t>
+            </a:r>
+            <a:r>
+              <a:rPr lang="en-US" dirty="0" smtClean="0"/>
+              <a:t>- Suspend </a:t>
+            </a:r>
+            <a:r>
+              <a:rPr lang="en-US" dirty="0"/>
+              <a:t>a thread for a period of time.</a:t>
             </a:r>
           </a:p>
           <a:p>
             <a:pPr lvl="1"/>
             <a:r>
+              <a:rPr lang="en-US" dirty="0" smtClean="0"/>
+              <a:t>Start -  </a:t>
+            </a:r>
+            <a:r>
               <a:rPr lang="en-US" dirty="0"/>
-              <a:t>Start -  Start a thread by calling its run method.</a:t>
+              <a:t>Start a thread by calling its run method.</a:t>
             </a:r>
             <a:endParaRPr lang="en-IN" dirty="0"/>
           </a:p>
@@ -4685,6 +4837,13 @@
   <p:clrMapOvr>
     <a:masterClrMapping/>
   </p:clrMapOvr>
+  <p:timing>
+    <p:tnLst>
+      <p:par>
+        <p:cTn id="1" dur="indefinite" restart="never" nodeType="tmRoot"/>
+      </p:par>
+    </p:tnLst>
+  </p:timing>
 </p:sld>
 </file>
 
@@ -4721,7 +4880,7 @@
           <a:lstStyle/>
           <a:p>
             <a:r>
-              <a:rPr lang="en-IN"/>
+              <a:rPr lang="en-IN" smtClean="0"/>
               <a:t>Creating a Thread</a:t>
             </a:r>
             <a:endParaRPr lang="en-IN" dirty="0"/>
@@ -4744,19 +4903,19 @@
           <a:lstStyle/>
           <a:p>
             <a:r>
-              <a:rPr lang="en-US" dirty="0"/>
+              <a:rPr lang="en-US" dirty="0" smtClean="0"/>
               <a:t>You can implement the Runnable interface.</a:t>
             </a:r>
           </a:p>
           <a:p>
             <a:r>
-              <a:rPr lang="en-US" dirty="0"/>
+              <a:rPr lang="en-US" dirty="0" smtClean="0"/>
               <a:t>You can extend the Thread class, itself.</a:t>
             </a:r>
           </a:p>
           <a:p>
             <a:r>
-              <a:rPr lang="en-US" dirty="0"/>
+              <a:rPr lang="en-US" dirty="0" smtClean="0"/>
               <a:t>Refer CreateThread.pdf</a:t>
             </a:r>
           </a:p>
@@ -4782,6 +4941,13 @@
   <p:clrMapOvr>
     <a:masterClrMapping/>
   </p:clrMapOvr>
+  <p:timing>
+    <p:tnLst>
+      <p:par>
+        <p:cTn id="1" dur="indefinite" restart="never" nodeType="tmRoot"/>
+      </p:par>
+    </p:tnLst>
+  </p:timing>
 </p:sld>
 </file>
 
@@ -4818,9 +4984,10 @@
           <a:lstStyle/>
           <a:p>
             <a:r>
-              <a:rPr lang="en-IN" dirty="0"/>
+              <a:rPr lang="en-IN" dirty="0" smtClean="0"/>
               <a:t>Multiple Threads</a:t>
             </a:r>
+            <a:endParaRPr lang="en-IN" dirty="0"/>
           </a:p>
         </p:txBody>
       </p:sp>
@@ -4841,12 +5008,24 @@
           <a:p>
             <a:r>
               <a:rPr lang="en-US" dirty="0"/>
-              <a:t>Program can spawn as many threads as it needs</a:t>
-            </a:r>
-          </a:p>
-          <a:p>
+              <a:t>P</a:t>
+            </a:r>
+            <a:r>
+              <a:rPr lang="en-US" dirty="0" smtClean="0"/>
+              <a:t>rogram </a:t>
+            </a:r>
             <a:r>
               <a:rPr lang="en-US" dirty="0"/>
+              <a:t>can spawn as many threads as it </a:t>
+            </a:r>
+            <a:r>
+              <a:rPr lang="en-US" dirty="0" smtClean="0"/>
+              <a:t>needs</a:t>
+            </a:r>
+          </a:p>
+          <a:p>
+            <a:r>
+              <a:rPr lang="en-US" dirty="0" smtClean="0"/>
               <a:t>Refer MultipleThread.pdf</a:t>
             </a:r>
             <a:endParaRPr lang="en-IN" dirty="0"/>
@@ -4863,6 +5042,13 @@
   <p:clrMapOvr>
     <a:masterClrMapping/>
   </p:clrMapOvr>
+  <p:timing>
+    <p:tnLst>
+      <p:par>
+        <p:cTn id="1" dur="indefinite" restart="never" nodeType="tmRoot"/>
+      </p:par>
+    </p:tnLst>
+  </p:timing>
 </p:sld>
 </file>
 
@@ -4899,13 +5085,14 @@
           <a:lstStyle/>
           <a:p>
             <a:r>
-              <a:rPr lang="en-IN" dirty="0" err="1"/>
+              <a:rPr lang="en-IN" dirty="0" err="1" smtClean="0"/>
               <a:t>isAlive</a:t>
             </a:r>
             <a:r>
-              <a:rPr lang="en-IN" dirty="0"/>
+              <a:rPr lang="en-IN" dirty="0" smtClean="0"/>
               <a:t> and join</a:t>
             </a:r>
+            <a:endParaRPr lang="en-IN" dirty="0"/>
           </a:p>
         </p:txBody>
       </p:sp>
@@ -4946,15 +5133,23 @@
             </a:r>
             <a:r>
               <a:rPr lang="en-US" dirty="0"/>
-              <a:t>if the thread upon which it is called is still running. It returns </a:t>
-            </a:r>
-            <a:r>
-              <a:rPr lang="en-IN" b="1" dirty="0"/>
+              <a:t>if the thread upon which it is called is still running. It </a:t>
+            </a:r>
+            <a:r>
+              <a:rPr lang="en-US" dirty="0" smtClean="0"/>
+              <a:t>returns </a:t>
+            </a:r>
+            <a:r>
+              <a:rPr lang="en-IN" b="1" dirty="0" smtClean="0"/>
               <a:t>false </a:t>
             </a:r>
             <a:r>
               <a:rPr lang="en-IN" dirty="0"/>
-              <a:t>otherwise.</a:t>
+              <a:t>otherwise</a:t>
+            </a:r>
+            <a:r>
+              <a:rPr lang="en-IN" dirty="0" smtClean="0"/>
+              <a:t>.</a:t>
             </a:r>
           </a:p>
           <a:p>
@@ -4962,6 +5157,7 @@
               <a:rPr lang="en-US" dirty="0"/>
               <a:t>The join method allows one thread to wait for the completion of another. </a:t>
             </a:r>
+            <a:endParaRPr lang="en-US" dirty="0" smtClean="0"/>
           </a:p>
           <a:p>
             <a:pPr marL="274320" lvl="1" indent="0">
@@ -4978,8 +5174,24 @@
           </a:p>
           <a:p>
             <a:r>
+              <a:rPr lang="en-US" dirty="0" smtClean="0"/>
+              <a:t>If </a:t>
+            </a:r>
+            <a:r>
               <a:rPr lang="en-US" dirty="0"/>
-              <a:t>If t is a Thread object whose thread is currently executing, causes the current thread to pause execution until t's thread terminates.</a:t>
+              <a:t>t is a Thread object whose thread is currently </a:t>
+            </a:r>
+            <a:r>
+              <a:rPr lang="en-US" dirty="0" smtClean="0"/>
+              <a:t>executing, causes </a:t>
+            </a:r>
+            <a:r>
+              <a:rPr lang="en-US" dirty="0"/>
+              <a:t>the current thread to pause execution until t's thread terminates</a:t>
+            </a:r>
+            <a:r>
+              <a:rPr lang="en-US" dirty="0" smtClean="0"/>
+              <a:t>.</a:t>
             </a:r>
           </a:p>
         </p:txBody>
@@ -5030,9 +5242,10 @@
           <a:lstStyle/>
           <a:p>
             <a:r>
-              <a:rPr lang="en-IN" dirty="0"/>
+              <a:rPr lang="en-IN" dirty="0" smtClean="0"/>
               <a:t>Join ( )</a:t>
             </a:r>
+            <a:endParaRPr lang="en-IN" dirty="0"/>
           </a:p>
         </p:txBody>
       </p:sp>
@@ -5062,21 +5275,34 @@
               <a:rPr lang="en-US" dirty="0"/>
               <a:t>Join method from Thread class is an important method and used to impose order on execution of multiple Threads. </a:t>
             </a:r>
-          </a:p>
-          <a:p>
+            <a:endParaRPr lang="en-US" dirty="0" smtClean="0"/>
+          </a:p>
+          <a:p>
+            <a:r>
+              <a:rPr lang="en-US" dirty="0" smtClean="0"/>
+              <a:t>“</a:t>
+            </a:r>
             <a:r>
               <a:rPr lang="en-US" dirty="0"/>
-              <a:t>“You have three threads T1, T2, and T3, How do you ensure that they finish in order T1, T2, T3 ?.</a:t>
+              <a:t>You have three threads T1, T2, and T3, How do you ensure that they finish in order T1, T2, T3 ?.</a:t>
             </a:r>
             <a:br>
               <a:rPr lang="en-US" dirty="0"/>
             </a:br>
-            <a:endParaRPr lang="en-US" dirty="0"/>
-          </a:p>
-          <a:p>
+            <a:endParaRPr lang="en-US" dirty="0" smtClean="0"/>
+          </a:p>
+          <a:p>
+            <a:r>
+              <a:rPr lang="en-US" dirty="0" smtClean="0"/>
+              <a:t>By </a:t>
+            </a:r>
             <a:r>
               <a:rPr lang="en-US" dirty="0"/>
-              <a:t>By calling T1.join() from T2 and T2.join() from T3. In this case thread, T1 will finish first, followed by T2 and T3.</a:t>
+              <a:t>calling T1.join() from T2 and T2.join() from T3. In this case thread, T1 will finish first, followed by T2 and T3</a:t>
+            </a:r>
+            <a:r>
+              <a:rPr lang="en-US" dirty="0" smtClean="0"/>
+              <a:t>.</a:t>
             </a:r>
           </a:p>
           <a:p>
@@ -5092,11 +5318,16 @@
               <a:rPr lang="en-US" dirty="0"/>
               <a:t>() is to wait for another thread and start execution once that Thread has completed execution or died. </a:t>
             </a:r>
-          </a:p>
-          <a:p>
+            <a:endParaRPr lang="en-US" dirty="0" smtClean="0"/>
+          </a:p>
+          <a:p>
+            <a:r>
+              <a:rPr lang="en-US" dirty="0" smtClean="0"/>
+              <a:t>Join </a:t>
+            </a:r>
             <a:r>
               <a:rPr lang="en-US" dirty="0"/>
-              <a:t>Join is also a </a:t>
+              <a:t>is also a </a:t>
             </a:r>
             <a:r>
               <a:rPr lang="en-US" dirty="0">
@@ -5106,17 +5337,25 @@
             </a:r>
             <a:r>
               <a:rPr lang="en-US" dirty="0"/>
-              <a:t> which blocks until the thread on which join has called die or specified waiting time is over.</a:t>
-            </a:r>
-          </a:p>
-          <a:p>
+              <a:t> which blocks until the thread on which join has called die or specified waiting time is over</a:t>
+            </a:r>
+            <a:r>
+              <a:rPr lang="en-US" dirty="0" smtClean="0"/>
+              <a:t>.</a:t>
+            </a:r>
+          </a:p>
+          <a:p>
+            <a:r>
+              <a:rPr lang="en-US" dirty="0" smtClean="0"/>
+              <a:t>Refer </a:t>
+            </a:r>
+            <a:r>
+              <a:rPr lang="en-US" smtClean="0"/>
+              <a:t>SimpleJoin.pdf </a:t>
+            </a:r>
             <a:r>
               <a:rPr lang="en-US" dirty="0"/>
-              <a:t>Refer </a:t>
-            </a:r>
-            <a:r>
-              <a:rPr lang="en-US"/>
-              <a:t>SimpleJoin.pdf </a:t>
+              <a:t/>
             </a:r>
             <a:br>
               <a:rPr lang="en-US" dirty="0"/>

--- a/Reference materials/Advanced JAVA/2 Multithreading.pptx
+++ b/Reference materials/Advanced JAVA/2 Multithreading.pptx
@@ -217,7 +217,7 @@
           <a:p>
             <a:fld id="{CBDFB359-B0C7-4C2A-B5E6-DC0AAC7DC740}" type="datetimeFigureOut">
               <a:rPr lang="en-IN" smtClean="0"/>
-              <a:t>24-03-2021</a:t>
+              <a:t>22-04-2021</a:t>
             </a:fld>
             <a:endParaRPr lang="en-IN"/>
           </a:p>
@@ -281,35 +281,35 @@
           <a:p>
             <a:pPr lvl="0"/>
             <a:r>
-              <a:rPr lang="en-US" smtClean="0"/>
+              <a:rPr lang="en-US"/>
               <a:t>Click to edit Master text styles</a:t>
             </a:r>
           </a:p>
           <a:p>
             <a:pPr lvl="1"/>
             <a:r>
-              <a:rPr lang="en-US" smtClean="0"/>
+              <a:rPr lang="en-US"/>
               <a:t>Second level</a:t>
             </a:r>
           </a:p>
           <a:p>
             <a:pPr lvl="2"/>
             <a:r>
-              <a:rPr lang="en-US" smtClean="0"/>
+              <a:rPr lang="en-US"/>
               <a:t>Third level</a:t>
             </a:r>
           </a:p>
           <a:p>
             <a:pPr lvl="3"/>
             <a:r>
-              <a:rPr lang="en-US" smtClean="0"/>
+              <a:rPr lang="en-US"/>
               <a:t>Fourth level</a:t>
             </a:r>
           </a:p>
           <a:p>
             <a:pPr lvl="4"/>
             <a:r>
-              <a:rPr lang="en-US" smtClean="0"/>
+              <a:rPr lang="en-US"/>
               <a:t>Fifth level</a:t>
             </a:r>
             <a:endParaRPr lang="en-IN"/>
@@ -655,10 +655,9 @@
           </a:lstStyle>
           <a:p>
             <a:r>
-              <a:rPr kumimoji="0" lang="en-US" smtClean="0"/>
+              <a:rPr kumimoji="0" lang="en-US"/>
               <a:t>Click to edit Master subtitle style</a:t>
             </a:r>
-            <a:endParaRPr kumimoji="0" lang="en-US"/>
           </a:p>
         </p:txBody>
       </p:sp>
@@ -680,7 +679,7 @@
             <a:fld id="{1D8BD707-D9CF-40AE-B4C6-C98DA3205C09}" type="datetimeFigureOut">
               <a:rPr lang="en-US" smtClean="0"/>
               <a:pPr/>
-              <a:t>3/24/2021</a:t>
+              <a:t>4/22/2021</a:t>
             </a:fld>
             <a:endParaRPr lang="en-US"/>
           </a:p>
@@ -910,10 +909,9 @@
           </a:lstStyle>
           <a:p>
             <a:r>
-              <a:rPr kumimoji="0" lang="en-US" smtClean="0"/>
+              <a:rPr kumimoji="0" lang="en-US"/>
               <a:t>Click to edit Master title style</a:t>
             </a:r>
-            <a:endParaRPr kumimoji="0" lang="en-US"/>
           </a:p>
         </p:txBody>
       </p:sp>
@@ -958,10 +956,9 @@
           <a:lstStyle/>
           <a:p>
             <a:r>
-              <a:rPr kumimoji="0" lang="en-US" smtClean="0"/>
+              <a:rPr kumimoji="0" lang="en-US"/>
               <a:t>Click to edit Master title style</a:t>
             </a:r>
-            <a:endParaRPr kumimoji="0" lang="en-US"/>
           </a:p>
         </p:txBody>
       </p:sp>
@@ -982,35 +979,35 @@
           <a:p>
             <a:pPr lvl="0" eaLnBrk="1" latinLnBrk="0" hangingPunct="1"/>
             <a:r>
-              <a:rPr lang="en-US" smtClean="0"/>
+              <a:rPr lang="en-US"/>
               <a:t>Click to edit Master text styles</a:t>
             </a:r>
           </a:p>
           <a:p>
             <a:pPr lvl="1" eaLnBrk="1" latinLnBrk="0" hangingPunct="1"/>
             <a:r>
-              <a:rPr lang="en-US" smtClean="0"/>
+              <a:rPr lang="en-US"/>
               <a:t>Second level</a:t>
             </a:r>
           </a:p>
           <a:p>
             <a:pPr lvl="2" eaLnBrk="1" latinLnBrk="0" hangingPunct="1"/>
             <a:r>
-              <a:rPr lang="en-US" smtClean="0"/>
+              <a:rPr lang="en-US"/>
               <a:t>Third level</a:t>
             </a:r>
           </a:p>
           <a:p>
             <a:pPr lvl="3" eaLnBrk="1" latinLnBrk="0" hangingPunct="1"/>
             <a:r>
-              <a:rPr lang="en-US" smtClean="0"/>
+              <a:rPr lang="en-US"/>
               <a:t>Fourth level</a:t>
             </a:r>
           </a:p>
           <a:p>
             <a:pPr lvl="4" eaLnBrk="1" latinLnBrk="0" hangingPunct="1"/>
             <a:r>
-              <a:rPr lang="en-US" smtClean="0"/>
+              <a:rPr lang="en-US"/>
               <a:t>Fifth level</a:t>
             </a:r>
             <a:endParaRPr kumimoji="0" lang="en-US"/>
@@ -1035,7 +1032,7 @@
             <a:fld id="{1D8BD707-D9CF-40AE-B4C6-C98DA3205C09}" type="datetimeFigureOut">
               <a:rPr lang="en-US" smtClean="0"/>
               <a:pPr/>
-              <a:t>3/24/2021</a:t>
+              <a:t>4/22/2021</a:t>
             </a:fld>
             <a:endParaRPr lang="en-US"/>
           </a:p>
@@ -1130,10 +1127,9 @@
           <a:lstStyle/>
           <a:p>
             <a:r>
-              <a:rPr kumimoji="0" lang="en-US" smtClean="0"/>
+              <a:rPr kumimoji="0" lang="en-US"/>
               <a:t>Click to edit Master title style</a:t>
             </a:r>
-            <a:endParaRPr kumimoji="0" lang="en-US"/>
           </a:p>
         </p:txBody>
       </p:sp>
@@ -1159,35 +1155,35 @@
           <a:p>
             <a:pPr lvl="0" eaLnBrk="1" latinLnBrk="0" hangingPunct="1"/>
             <a:r>
-              <a:rPr lang="en-US" smtClean="0"/>
+              <a:rPr lang="en-US"/>
               <a:t>Click to edit Master text styles</a:t>
             </a:r>
           </a:p>
           <a:p>
             <a:pPr lvl="1" eaLnBrk="1" latinLnBrk="0" hangingPunct="1"/>
             <a:r>
-              <a:rPr lang="en-US" smtClean="0"/>
+              <a:rPr lang="en-US"/>
               <a:t>Second level</a:t>
             </a:r>
           </a:p>
           <a:p>
             <a:pPr lvl="2" eaLnBrk="1" latinLnBrk="0" hangingPunct="1"/>
             <a:r>
-              <a:rPr lang="en-US" smtClean="0"/>
+              <a:rPr lang="en-US"/>
               <a:t>Third level</a:t>
             </a:r>
           </a:p>
           <a:p>
             <a:pPr lvl="3" eaLnBrk="1" latinLnBrk="0" hangingPunct="1"/>
             <a:r>
-              <a:rPr lang="en-US" smtClean="0"/>
+              <a:rPr lang="en-US"/>
               <a:t>Fourth level</a:t>
             </a:r>
           </a:p>
           <a:p>
             <a:pPr lvl="4" eaLnBrk="1" latinLnBrk="0" hangingPunct="1"/>
             <a:r>
-              <a:rPr lang="en-US" smtClean="0"/>
+              <a:rPr lang="en-US"/>
               <a:t>Fifth level</a:t>
             </a:r>
             <a:endParaRPr kumimoji="0" lang="en-US"/>
@@ -1212,7 +1208,7 @@
             <a:fld id="{1D8BD707-D9CF-40AE-B4C6-C98DA3205C09}" type="datetimeFigureOut">
               <a:rPr lang="en-US" smtClean="0"/>
               <a:pPr/>
-              <a:t>3/24/2021</a:t>
+              <a:t>4/22/2021</a:t>
             </a:fld>
             <a:endParaRPr lang="en-US"/>
           </a:p>
@@ -1302,10 +1298,9 @@
           <a:lstStyle/>
           <a:p>
             <a:r>
-              <a:rPr kumimoji="0" lang="en-US" smtClean="0"/>
+              <a:rPr kumimoji="0" lang="en-US"/>
               <a:t>Click to edit Master title style</a:t>
             </a:r>
-            <a:endParaRPr kumimoji="0" lang="en-US"/>
           </a:p>
         </p:txBody>
       </p:sp>
@@ -1327,7 +1322,7 @@
             <a:fld id="{1D8BD707-D9CF-40AE-B4C6-C98DA3205C09}" type="datetimeFigureOut">
               <a:rPr lang="en-US" smtClean="0"/>
               <a:pPr/>
-              <a:t>3/24/2021</a:t>
+              <a:t>4/22/2021</a:t>
             </a:fld>
             <a:endParaRPr lang="en-US"/>
           </a:p>
@@ -1398,35 +1393,35 @@
           <a:p>
             <a:pPr lvl="0" eaLnBrk="1" latinLnBrk="0" hangingPunct="1"/>
             <a:r>
-              <a:rPr lang="en-US" smtClean="0"/>
+              <a:rPr lang="en-US"/>
               <a:t>Click to edit Master text styles</a:t>
             </a:r>
           </a:p>
           <a:p>
             <a:pPr lvl="1" eaLnBrk="1" latinLnBrk="0" hangingPunct="1"/>
             <a:r>
-              <a:rPr lang="en-US" smtClean="0"/>
+              <a:rPr lang="en-US"/>
               <a:t>Second level</a:t>
             </a:r>
           </a:p>
           <a:p>
             <a:pPr lvl="2" eaLnBrk="1" latinLnBrk="0" hangingPunct="1"/>
             <a:r>
-              <a:rPr lang="en-US" smtClean="0"/>
+              <a:rPr lang="en-US"/>
               <a:t>Third level</a:t>
             </a:r>
           </a:p>
           <a:p>
             <a:pPr lvl="3" eaLnBrk="1" latinLnBrk="0" hangingPunct="1"/>
             <a:r>
-              <a:rPr lang="en-US" smtClean="0"/>
+              <a:rPr lang="en-US"/>
               <a:t>Fourth level</a:t>
             </a:r>
           </a:p>
           <a:p>
             <a:pPr lvl="4" eaLnBrk="1" latinLnBrk="0" hangingPunct="1"/>
             <a:r>
-              <a:rPr lang="en-US" smtClean="0"/>
+              <a:rPr lang="en-US"/>
               <a:t>Fifth level</a:t>
             </a:r>
             <a:endParaRPr kumimoji="0" lang="en-US"/>
@@ -1583,10 +1578,9 @@
           </a:lstStyle>
           <a:p>
             <a:r>
-              <a:rPr kumimoji="0" lang="en-US" smtClean="0"/>
+              <a:rPr kumimoji="0" lang="en-US"/>
               <a:t>Click to edit Master title style</a:t>
             </a:r>
-            <a:endParaRPr kumimoji="0" lang="en-US"/>
           </a:p>
         </p:txBody>
       </p:sp>
@@ -1663,7 +1657,7 @@
           <a:p>
             <a:pPr lvl="0" eaLnBrk="1" latinLnBrk="0" hangingPunct="1"/>
             <a:r>
-              <a:rPr kumimoji="0" lang="en-US" smtClean="0"/>
+              <a:rPr kumimoji="0" lang="en-US"/>
               <a:t>Click to edit Master text styles</a:t>
             </a:r>
           </a:p>
@@ -1687,7 +1681,7 @@
             <a:fld id="{1D8BD707-D9CF-40AE-B4C6-C98DA3205C09}" type="datetimeFigureOut">
               <a:rPr lang="en-US" smtClean="0"/>
               <a:pPr/>
-              <a:t>3/24/2021</a:t>
+              <a:t>4/22/2021</a:t>
             </a:fld>
             <a:endParaRPr lang="en-US"/>
           </a:p>
@@ -1929,10 +1923,9 @@
           <a:lstStyle/>
           <a:p>
             <a:r>
-              <a:rPr kumimoji="0" lang="en-US" smtClean="0"/>
+              <a:rPr kumimoji="0" lang="en-US"/>
               <a:t>Click to edit Master title style</a:t>
             </a:r>
-            <a:endParaRPr kumimoji="0" lang="en-US"/>
           </a:p>
         </p:txBody>
       </p:sp>
@@ -1954,7 +1947,7 @@
             <a:fld id="{1D8BD707-D9CF-40AE-B4C6-C98DA3205C09}" type="datetimeFigureOut">
               <a:rPr lang="en-US" smtClean="0"/>
               <a:pPr/>
-              <a:t>3/24/2021</a:t>
+              <a:t>4/22/2021</a:t>
             </a:fld>
             <a:endParaRPr lang="en-US"/>
           </a:p>
@@ -2025,35 +2018,35 @@
           <a:p>
             <a:pPr lvl="0" eaLnBrk="1" latinLnBrk="0" hangingPunct="1"/>
             <a:r>
-              <a:rPr lang="en-US" smtClean="0"/>
+              <a:rPr lang="en-US"/>
               <a:t>Click to edit Master text styles</a:t>
             </a:r>
           </a:p>
           <a:p>
             <a:pPr lvl="1" eaLnBrk="1" latinLnBrk="0" hangingPunct="1"/>
             <a:r>
-              <a:rPr lang="en-US" smtClean="0"/>
+              <a:rPr lang="en-US"/>
               <a:t>Second level</a:t>
             </a:r>
           </a:p>
           <a:p>
             <a:pPr lvl="2" eaLnBrk="1" latinLnBrk="0" hangingPunct="1"/>
             <a:r>
-              <a:rPr lang="en-US" smtClean="0"/>
+              <a:rPr lang="en-US"/>
               <a:t>Third level</a:t>
             </a:r>
           </a:p>
           <a:p>
             <a:pPr lvl="3" eaLnBrk="1" latinLnBrk="0" hangingPunct="1"/>
             <a:r>
-              <a:rPr lang="en-US" smtClean="0"/>
+              <a:rPr lang="en-US"/>
               <a:t>Fourth level</a:t>
             </a:r>
           </a:p>
           <a:p>
             <a:pPr lvl="4" eaLnBrk="1" latinLnBrk="0" hangingPunct="1"/>
             <a:r>
-              <a:rPr lang="en-US" smtClean="0"/>
+              <a:rPr lang="en-US"/>
               <a:t>Fifth level</a:t>
             </a:r>
             <a:endParaRPr kumimoji="0" lang="en-US"/>
@@ -2082,35 +2075,35 @@
           <a:p>
             <a:pPr lvl="0" eaLnBrk="1" latinLnBrk="0" hangingPunct="1"/>
             <a:r>
-              <a:rPr lang="en-US" smtClean="0"/>
+              <a:rPr lang="en-US"/>
               <a:t>Click to edit Master text styles</a:t>
             </a:r>
           </a:p>
           <a:p>
             <a:pPr lvl="1" eaLnBrk="1" latinLnBrk="0" hangingPunct="1"/>
             <a:r>
-              <a:rPr lang="en-US" smtClean="0"/>
+              <a:rPr lang="en-US"/>
               <a:t>Second level</a:t>
             </a:r>
           </a:p>
           <a:p>
             <a:pPr lvl="2" eaLnBrk="1" latinLnBrk="0" hangingPunct="1"/>
             <a:r>
-              <a:rPr lang="en-US" smtClean="0"/>
+              <a:rPr lang="en-US"/>
               <a:t>Third level</a:t>
             </a:r>
           </a:p>
           <a:p>
             <a:pPr lvl="3" eaLnBrk="1" latinLnBrk="0" hangingPunct="1"/>
             <a:r>
-              <a:rPr lang="en-US" smtClean="0"/>
+              <a:rPr lang="en-US"/>
               <a:t>Fourth level</a:t>
             </a:r>
           </a:p>
           <a:p>
             <a:pPr lvl="4" eaLnBrk="1" latinLnBrk="0" hangingPunct="1"/>
             <a:r>
-              <a:rPr lang="en-US" smtClean="0"/>
+              <a:rPr lang="en-US"/>
               <a:t>Fifth level</a:t>
             </a:r>
             <a:endParaRPr kumimoji="0" lang="en-US"/>
@@ -2167,10 +2160,9 @@
           </a:lstStyle>
           <a:p>
             <a:r>
-              <a:rPr kumimoji="0" lang="en-US" smtClean="0"/>
+              <a:rPr kumimoji="0" lang="en-US"/>
               <a:t>Click to edit Master title style</a:t>
             </a:r>
-            <a:endParaRPr kumimoji="0" lang="en-US"/>
           </a:p>
         </p:txBody>
       </p:sp>
@@ -2231,7 +2223,7 @@
           <a:p>
             <a:pPr lvl="0" eaLnBrk="1" latinLnBrk="0" hangingPunct="1"/>
             <a:r>
-              <a:rPr kumimoji="0" lang="en-US" smtClean="0"/>
+              <a:rPr kumimoji="0" lang="en-US"/>
               <a:t>Click to edit Master text styles</a:t>
             </a:r>
           </a:p>
@@ -2294,7 +2286,7 @@
           <a:p>
             <a:pPr lvl="0" eaLnBrk="1" latinLnBrk="0" hangingPunct="1"/>
             <a:r>
-              <a:rPr kumimoji="0" lang="en-US" smtClean="0"/>
+              <a:rPr kumimoji="0" lang="en-US"/>
               <a:t>Click to edit Master text styles</a:t>
             </a:r>
           </a:p>
@@ -2318,7 +2310,7 @@
             <a:fld id="{1D8BD707-D9CF-40AE-B4C6-C98DA3205C09}" type="datetimeFigureOut">
               <a:rPr lang="en-US" smtClean="0"/>
               <a:pPr/>
-              <a:t>3/24/2021</a:t>
+              <a:t>4/22/2021</a:t>
             </a:fld>
             <a:endParaRPr lang="en-US"/>
           </a:p>
@@ -2389,35 +2381,35 @@
           <a:p>
             <a:pPr lvl="0" eaLnBrk="1" latinLnBrk="0" hangingPunct="1"/>
             <a:r>
-              <a:rPr lang="en-US" smtClean="0"/>
+              <a:rPr lang="en-US"/>
               <a:t>Click to edit Master text styles</a:t>
             </a:r>
           </a:p>
           <a:p>
             <a:pPr lvl="1" eaLnBrk="1" latinLnBrk="0" hangingPunct="1"/>
             <a:r>
-              <a:rPr lang="en-US" smtClean="0"/>
+              <a:rPr lang="en-US"/>
               <a:t>Second level</a:t>
             </a:r>
           </a:p>
           <a:p>
             <a:pPr lvl="2" eaLnBrk="1" latinLnBrk="0" hangingPunct="1"/>
             <a:r>
-              <a:rPr lang="en-US" smtClean="0"/>
+              <a:rPr lang="en-US"/>
               <a:t>Third level</a:t>
             </a:r>
           </a:p>
           <a:p>
             <a:pPr lvl="3" eaLnBrk="1" latinLnBrk="0" hangingPunct="1"/>
             <a:r>
-              <a:rPr lang="en-US" smtClean="0"/>
+              <a:rPr lang="en-US"/>
               <a:t>Fourth level</a:t>
             </a:r>
           </a:p>
           <a:p>
             <a:pPr lvl="4" eaLnBrk="1" latinLnBrk="0" hangingPunct="1"/>
             <a:r>
-              <a:rPr lang="en-US" smtClean="0"/>
+              <a:rPr lang="en-US"/>
               <a:t>Fifth level</a:t>
             </a:r>
             <a:endParaRPr kumimoji="0" lang="en-US"/>
@@ -2446,35 +2438,35 @@
           <a:p>
             <a:pPr lvl="0" eaLnBrk="1" latinLnBrk="0" hangingPunct="1"/>
             <a:r>
-              <a:rPr lang="en-US" smtClean="0"/>
+              <a:rPr lang="en-US"/>
               <a:t>Click to edit Master text styles</a:t>
             </a:r>
           </a:p>
           <a:p>
             <a:pPr lvl="1" eaLnBrk="1" latinLnBrk="0" hangingPunct="1"/>
             <a:r>
-              <a:rPr lang="en-US" smtClean="0"/>
+              <a:rPr lang="en-US"/>
               <a:t>Second level</a:t>
             </a:r>
           </a:p>
           <a:p>
             <a:pPr lvl="2" eaLnBrk="1" latinLnBrk="0" hangingPunct="1"/>
             <a:r>
-              <a:rPr lang="en-US" smtClean="0"/>
+              <a:rPr lang="en-US"/>
               <a:t>Third level</a:t>
             </a:r>
           </a:p>
           <a:p>
             <a:pPr lvl="3" eaLnBrk="1" latinLnBrk="0" hangingPunct="1"/>
             <a:r>
-              <a:rPr lang="en-US" smtClean="0"/>
+              <a:rPr lang="en-US"/>
               <a:t>Fourth level</a:t>
             </a:r>
           </a:p>
           <a:p>
             <a:pPr lvl="4" eaLnBrk="1" latinLnBrk="0" hangingPunct="1"/>
             <a:r>
-              <a:rPr lang="en-US" smtClean="0"/>
+              <a:rPr lang="en-US"/>
               <a:t>Fifth level</a:t>
             </a:r>
             <a:endParaRPr kumimoji="0" lang="en-US"/>
@@ -2522,10 +2514,9 @@
           <a:lstStyle/>
           <a:p>
             <a:r>
-              <a:rPr kumimoji="0" lang="en-US" smtClean="0"/>
+              <a:rPr kumimoji="0" lang="en-US"/>
               <a:t>Click to edit Master title style</a:t>
             </a:r>
-            <a:endParaRPr kumimoji="0" lang="en-US"/>
           </a:p>
         </p:txBody>
       </p:sp>
@@ -2547,7 +2538,7 @@
             <a:fld id="{1D8BD707-D9CF-40AE-B4C6-C98DA3205C09}" type="datetimeFigureOut">
               <a:rPr lang="en-US" smtClean="0"/>
               <a:pPr/>
-              <a:t>3/24/2021</a:t>
+              <a:t>4/22/2021</a:t>
             </a:fld>
             <a:endParaRPr lang="en-US"/>
           </a:p>
@@ -2639,7 +2630,7 @@
             <a:fld id="{1D8BD707-D9CF-40AE-B4C6-C98DA3205C09}" type="datetimeFigureOut">
               <a:rPr lang="en-US" smtClean="0"/>
               <a:pPr/>
-              <a:t>3/24/2021</a:t>
+              <a:t>4/22/2021</a:t>
             </a:fld>
             <a:endParaRPr lang="en-US"/>
           </a:p>
@@ -2834,10 +2825,9 @@
           </a:lstStyle>
           <a:p>
             <a:r>
-              <a:rPr kumimoji="0" lang="en-US" smtClean="0"/>
+              <a:rPr kumimoji="0" lang="en-US"/>
               <a:t>Click to edit Master title style</a:t>
             </a:r>
-            <a:endParaRPr kumimoji="0" lang="en-US"/>
           </a:p>
         </p:txBody>
       </p:sp>
@@ -2884,7 +2874,7 @@
           <a:p>
             <a:pPr lvl="0" eaLnBrk="1" latinLnBrk="0" hangingPunct="1"/>
             <a:r>
-              <a:rPr kumimoji="0" lang="en-US" smtClean="0"/>
+              <a:rPr kumimoji="0" lang="en-US"/>
               <a:t>Click to edit Master text styles</a:t>
             </a:r>
           </a:p>
@@ -2908,7 +2898,7 @@
             <a:fld id="{1D8BD707-D9CF-40AE-B4C6-C98DA3205C09}" type="datetimeFigureOut">
               <a:rPr lang="en-US" smtClean="0"/>
               <a:pPr/>
-              <a:t>3/24/2021</a:t>
+              <a:t>4/22/2021</a:t>
             </a:fld>
             <a:endParaRPr lang="en-US"/>
           </a:p>
@@ -2979,35 +2969,35 @@
           <a:p>
             <a:pPr lvl="0" eaLnBrk="1" latinLnBrk="0" hangingPunct="1"/>
             <a:r>
-              <a:rPr lang="en-US" smtClean="0"/>
+              <a:rPr lang="en-US"/>
               <a:t>Click to edit Master text styles</a:t>
             </a:r>
           </a:p>
           <a:p>
             <a:pPr lvl="1" eaLnBrk="1" latinLnBrk="0" hangingPunct="1"/>
             <a:r>
-              <a:rPr lang="en-US" smtClean="0"/>
+              <a:rPr lang="en-US"/>
               <a:t>Second level</a:t>
             </a:r>
           </a:p>
           <a:p>
             <a:pPr lvl="2" eaLnBrk="1" latinLnBrk="0" hangingPunct="1"/>
             <a:r>
-              <a:rPr lang="en-US" smtClean="0"/>
+              <a:rPr lang="en-US"/>
               <a:t>Third level</a:t>
             </a:r>
           </a:p>
           <a:p>
             <a:pPr lvl="3" eaLnBrk="1" latinLnBrk="0" hangingPunct="1"/>
             <a:r>
-              <a:rPr lang="en-US" smtClean="0"/>
+              <a:rPr lang="en-US"/>
               <a:t>Fourth level</a:t>
             </a:r>
           </a:p>
           <a:p>
             <a:pPr lvl="4" eaLnBrk="1" latinLnBrk="0" hangingPunct="1"/>
             <a:r>
-              <a:rPr lang="en-US" smtClean="0"/>
+              <a:rPr lang="en-US"/>
               <a:t>Fifth level</a:t>
             </a:r>
             <a:endParaRPr kumimoji="0" lang="en-US"/>
@@ -3067,10 +3057,9 @@
           </a:lstStyle>
           <a:p>
             <a:r>
-              <a:rPr kumimoji="0" lang="en-US" smtClean="0"/>
+              <a:rPr kumimoji="0" lang="en-US"/>
               <a:t>Click to edit Master title style</a:t>
             </a:r>
-            <a:endParaRPr kumimoji="0" lang="en-US"/>
           </a:p>
         </p:txBody>
       </p:sp>
@@ -3114,7 +3103,7 @@
           <a:p>
             <a:pPr lvl="0" eaLnBrk="1" latinLnBrk="0" hangingPunct="1"/>
             <a:r>
-              <a:rPr kumimoji="0" lang="en-US" smtClean="0"/>
+              <a:rPr kumimoji="0" lang="en-US"/>
               <a:t>Click to edit Master text styles</a:t>
             </a:r>
           </a:p>
@@ -3138,7 +3127,7 @@
             <a:fld id="{1D8BD707-D9CF-40AE-B4C6-C98DA3205C09}" type="datetimeFigureOut">
               <a:rPr lang="en-US" smtClean="0"/>
               <a:pPr/>
-              <a:t>3/24/2021</a:t>
+              <a:t>4/22/2021</a:t>
             </a:fld>
             <a:endParaRPr lang="en-US"/>
           </a:p>
@@ -3379,7 +3368,7 @@
           </a:lstStyle>
           <a:p>
             <a:r>
-              <a:rPr kumimoji="0" lang="en-US" smtClean="0"/>
+              <a:rPr kumimoji="0" lang="en-US"/>
               <a:t>Click icon to add picture</a:t>
             </a:r>
             <a:endParaRPr kumimoji="0" lang="en-US" dirty="0"/>
@@ -3536,10 +3525,9 @@
           <a:lstStyle/>
           <a:p>
             <a:r>
-              <a:rPr kumimoji="0" lang="en-US" smtClean="0"/>
+              <a:rPr kumimoji="0" lang="en-US"/>
               <a:t>Click to edit Master title style</a:t>
             </a:r>
-            <a:endParaRPr kumimoji="0" lang="en-US"/>
           </a:p>
         </p:txBody>
       </p:sp>
@@ -3570,38 +3558,37 @@
           <a:p>
             <a:pPr lvl="0" eaLnBrk="1" latinLnBrk="0" hangingPunct="1"/>
             <a:r>
-              <a:rPr kumimoji="0" lang="en-US" smtClean="0"/>
+              <a:rPr kumimoji="0" lang="en-US"/>
               <a:t>Click to edit Master text styles</a:t>
             </a:r>
           </a:p>
           <a:p>
             <a:pPr lvl="1" eaLnBrk="1" latinLnBrk="0" hangingPunct="1"/>
             <a:r>
-              <a:rPr kumimoji="0" lang="en-US" smtClean="0"/>
+              <a:rPr kumimoji="0" lang="en-US"/>
               <a:t>Second level</a:t>
             </a:r>
           </a:p>
           <a:p>
             <a:pPr lvl="2" eaLnBrk="1" latinLnBrk="0" hangingPunct="1"/>
             <a:r>
-              <a:rPr kumimoji="0" lang="en-US" smtClean="0"/>
+              <a:rPr kumimoji="0" lang="en-US"/>
               <a:t>Third level</a:t>
             </a:r>
           </a:p>
           <a:p>
             <a:pPr lvl="3" eaLnBrk="1" latinLnBrk="0" hangingPunct="1"/>
             <a:r>
-              <a:rPr kumimoji="0" lang="en-US" smtClean="0"/>
+              <a:rPr kumimoji="0" lang="en-US"/>
               <a:t>Fourth level</a:t>
             </a:r>
           </a:p>
           <a:p>
             <a:pPr lvl="4" eaLnBrk="1" latinLnBrk="0" hangingPunct="1"/>
             <a:r>
-              <a:rPr kumimoji="0" lang="en-US" smtClean="0"/>
+              <a:rPr kumimoji="0" lang="en-US"/>
               <a:t>Fifth level</a:t>
             </a:r>
-            <a:endParaRPr kumimoji="0" lang="en-US"/>
           </a:p>
         </p:txBody>
       </p:sp>
@@ -3639,7 +3626,7 @@
             <a:fld id="{1D8BD707-D9CF-40AE-B4C6-C98DA3205C09}" type="datetimeFigureOut">
               <a:rPr lang="en-US" smtClean="0"/>
               <a:pPr/>
-              <a:t>3/24/2021</a:t>
+              <a:t>4/22/2021</a:t>
             </a:fld>
             <a:endParaRPr lang="en-US"/>
           </a:p>
@@ -4095,13 +4082,6 @@
   <p:clrMapOvr>
     <a:masterClrMapping/>
   </p:clrMapOvr>
-  <p:timing>
-    <p:tnLst>
-      <p:par>
-        <p:cTn id="1" dur="indefinite" restart="never" nodeType="tmRoot"/>
-      </p:par>
-    </p:tnLst>
-  </p:timing>
 </p:sld>
 </file>
 
@@ -4138,10 +4118,9 @@
           <a:lstStyle/>
           <a:p>
             <a:r>
-              <a:rPr lang="en-IN" dirty="0" smtClean="0"/>
+              <a:rPr lang="en-IN" dirty="0"/>
               <a:t>Thread Priority</a:t>
             </a:r>
-            <a:endParaRPr lang="en-IN" dirty="0"/>
           </a:p>
         </p:txBody>
       </p:sp>
@@ -4162,30 +4141,22 @@
           <a:p>
             <a:r>
               <a:rPr lang="en-IN" b="1" dirty="0"/>
-              <a:t>MIN_PRIORITY </a:t>
-            </a:r>
-            <a:r>
-              <a:rPr lang="en-IN" b="1" dirty="0" smtClean="0"/>
-              <a:t>- 1 </a:t>
-            </a:r>
-          </a:p>
-          <a:p>
-            <a:r>
-              <a:rPr lang="en-IN" b="1" dirty="0" smtClean="0"/>
+              <a:t>MIN_PRIORITY - 1 </a:t>
+            </a:r>
+          </a:p>
+          <a:p>
+            <a:r>
+              <a:rPr lang="en-IN" b="1" dirty="0"/>
               <a:t>MAX_PRIORITY</a:t>
             </a:r>
             <a:r>
               <a:rPr lang="en-IN" dirty="0"/>
-              <a:t> </a:t>
-            </a:r>
-            <a:r>
-              <a:rPr lang="en-IN" dirty="0" smtClean="0"/>
-              <a:t>- 10</a:t>
-            </a:r>
-          </a:p>
-          <a:p>
-            <a:r>
-              <a:rPr lang="en-IN" b="1" dirty="0" smtClean="0"/>
+              <a:t> - 10</a:t>
+            </a:r>
+          </a:p>
+          <a:p>
+            <a:r>
+              <a:rPr lang="en-IN" b="1" dirty="0"/>
               <a:t>NORM_PRIORITY –  5</a:t>
             </a:r>
           </a:p>
@@ -4194,7 +4165,7 @@
           </a:p>
           <a:p>
             <a:r>
-              <a:rPr lang="en-IN" b="1" dirty="0" smtClean="0"/>
+              <a:rPr lang="en-IN" b="1" dirty="0"/>
               <a:t>Refer ThreadPri.pdf</a:t>
             </a:r>
           </a:p>
@@ -4260,10 +4231,9 @@
           <a:lstStyle/>
           <a:p>
             <a:r>
-              <a:rPr lang="en-IN" dirty="0" smtClean="0"/>
+              <a:rPr lang="en-IN" dirty="0"/>
               <a:t>Multithreading</a:t>
             </a:r>
-            <a:endParaRPr lang="en-IN" dirty="0"/>
           </a:p>
         </p:txBody>
       </p:sp>
@@ -4284,15 +4254,7 @@
           <a:p>
             <a:r>
               <a:rPr lang="en-US" dirty="0"/>
-              <a:t>A multithreaded program contains two or more parts that can </a:t>
-            </a:r>
-            <a:r>
-              <a:rPr lang="en-US" dirty="0" smtClean="0"/>
-              <a:t>run concurrently</a:t>
-            </a:r>
-            <a:r>
-              <a:rPr lang="en-US" dirty="0"/>
-              <a:t>. Each part of such a program is called a </a:t>
+              <a:t>A multithreaded program contains two or more parts that can run concurrently. Each part of such a program is called a </a:t>
             </a:r>
             <a:r>
               <a:rPr lang="en-US" i="1" dirty="0"/>
@@ -4300,56 +4262,23 @@
             </a:r>
             <a:r>
               <a:rPr lang="en-US" dirty="0"/>
-              <a:t>and each thread </a:t>
-            </a:r>
-            <a:r>
-              <a:rPr lang="en-US" dirty="0" smtClean="0"/>
-              <a:t>defines a </a:t>
-            </a:r>
+              <a:t>and each thread defines a separate path of execution. </a:t>
+            </a:r>
+          </a:p>
+          <a:p>
             <a:r>
               <a:rPr lang="en-US" dirty="0"/>
-              <a:t>separate path of execution. </a:t>
-            </a:r>
-            <a:endParaRPr lang="en-US" dirty="0" smtClean="0"/>
+              <a:t>Multithreading enables you to write very efficient programs that make maximum use of the CPU, because idle time can be kept to a minimum.</a:t>
+            </a:r>
           </a:p>
           <a:p>
             <a:r>
               <a:rPr lang="en-US" dirty="0"/>
-              <a:t>Multithreading enables you to write very efficient programs that make maximum use </a:t>
-            </a:r>
-            <a:r>
-              <a:rPr lang="en-US" dirty="0" smtClean="0"/>
-              <a:t>of the </a:t>
-            </a:r>
-            <a:r>
-              <a:rPr lang="en-US" dirty="0"/>
-              <a:t>CPU, because idle time can be kept to a minimum</a:t>
-            </a:r>
-            <a:r>
-              <a:rPr lang="en-US" dirty="0" smtClean="0"/>
-              <a:t>.</a:t>
-            </a:r>
-          </a:p>
-          <a:p>
-            <a:r>
-              <a:rPr lang="en-US" dirty="0"/>
-              <a:t>The Java run-time system depends on threads for many things, and all the class </a:t>
-            </a:r>
-            <a:r>
-              <a:rPr lang="en-US" dirty="0" smtClean="0"/>
-              <a:t>libraries </a:t>
-            </a:r>
-            <a:r>
-              <a:rPr lang="en-IN" dirty="0" smtClean="0"/>
-              <a:t>are </a:t>
+              <a:t>The Java run-time system depends on threads for many things, and all the class libraries </a:t>
             </a:r>
             <a:r>
               <a:rPr lang="en-IN" dirty="0"/>
-              <a:t>designed with </a:t>
-            </a:r>
-            <a:r>
-              <a:rPr lang="en-IN" dirty="0" smtClean="0"/>
-              <a:t>multithreading</a:t>
+              <a:t>are designed with multithreading</a:t>
             </a:r>
           </a:p>
           <a:p>
@@ -4370,13 +4299,6 @@
   <p:clrMapOvr>
     <a:masterClrMapping/>
   </p:clrMapOvr>
-  <p:timing>
-    <p:tnLst>
-      <p:par>
-        <p:cTn id="1" dur="indefinite" restart="never" nodeType="tmRoot"/>
-      </p:par>
-    </p:tnLst>
-  </p:timing>
 </p:sld>
 </file>
 
@@ -4413,10 +4335,9 @@
           <a:lstStyle/>
           <a:p>
             <a:r>
-              <a:rPr lang="en-IN" dirty="0" smtClean="0"/>
+              <a:rPr lang="en-IN" dirty="0"/>
               <a:t>Thread model</a:t>
             </a:r>
-            <a:endParaRPr lang="en-IN" dirty="0"/>
           </a:p>
         </p:txBody>
       </p:sp>
@@ -4530,10 +4451,9 @@
           <a:lstStyle/>
           <a:p>
             <a:r>
-              <a:rPr lang="en-IN" dirty="0" smtClean="0"/>
+              <a:rPr lang="en-IN" dirty="0"/>
               <a:t>Java Thread</a:t>
             </a:r>
-            <a:endParaRPr lang="en-IN" dirty="0"/>
           </a:p>
         </p:txBody>
       </p:sp>
@@ -4553,35 +4473,23 @@
           <a:lstStyle/>
           <a:p>
             <a:r>
-              <a:rPr lang="en-IN" dirty="0" smtClean="0"/>
+              <a:rPr lang="en-IN" dirty="0"/>
               <a:t>Thread states – ready, running, suspended, resumed, blocked. </a:t>
             </a:r>
           </a:p>
           <a:p>
             <a:r>
-              <a:rPr lang="en-IN" dirty="0" smtClean="0"/>
+              <a:rPr lang="en-IN" dirty="0"/>
               <a:t>Thread priorities - </a:t>
             </a:r>
             <a:r>
               <a:rPr lang="en-US" i="1" dirty="0"/>
-              <a:t>A thread can voluntarily relinquish </a:t>
-            </a:r>
-            <a:r>
-              <a:rPr lang="en-US" i="1" dirty="0" smtClean="0"/>
-              <a:t>control or </a:t>
-            </a:r>
-            <a:r>
-              <a:rPr lang="en-US" i="1" dirty="0"/>
-              <a:t>A thread can be preempted by a higher-priority thread</a:t>
-            </a:r>
-            <a:r>
-              <a:rPr lang="en-US" i="1" dirty="0" smtClean="0"/>
-              <a:t>.</a:t>
-            </a:r>
-          </a:p>
-          <a:p>
-            <a:r>
-              <a:rPr lang="en-IN" b="1" dirty="0" smtClean="0"/>
+              <a:t>A thread can voluntarily relinquish control or A thread can be preempted by a higher-priority thread.</a:t>
+            </a:r>
+          </a:p>
+          <a:p>
+            <a:r>
+              <a:rPr lang="en-IN" b="1" dirty="0"/>
               <a:t>Synchronization - </a:t>
             </a:r>
             <a:r>
@@ -4593,22 +4501,18 @@
               <a:t> synchronization: </a:t>
             </a:r>
             <a:r>
-              <a:rPr lang="en-IN" i="1" dirty="0" smtClean="0"/>
+              <a:rPr lang="en-IN" i="1" dirty="0"/>
               <a:t>monitor</a:t>
             </a:r>
           </a:p>
           <a:p>
             <a:r>
-              <a:rPr lang="en-IN" b="1" dirty="0" smtClean="0"/>
+              <a:rPr lang="en-IN" b="1" dirty="0"/>
               <a:t>Messaging - </a:t>
             </a:r>
             <a:r>
               <a:rPr lang="en-IN" dirty="0"/>
-              <a:t>communicate with each </a:t>
-            </a:r>
-            <a:r>
-              <a:rPr lang="en-IN" dirty="0" smtClean="0"/>
-              <a:t>other</a:t>
+              <a:t>communicate with each other</a:t>
             </a:r>
           </a:p>
         </p:txBody>
@@ -4623,13 +4527,6 @@
   <p:clrMapOvr>
     <a:masterClrMapping/>
   </p:clrMapOvr>
-  <p:timing>
-    <p:tnLst>
-      <p:par>
-        <p:cTn id="1" dur="indefinite" restart="never" nodeType="tmRoot"/>
-      </p:par>
-    </p:tnLst>
-  </p:timing>
 </p:sld>
 </file>
 
@@ -4666,10 +4563,9 @@
           <a:lstStyle/>
           <a:p>
             <a:r>
-              <a:rPr lang="en-IN" dirty="0" smtClean="0"/>
+              <a:rPr lang="en-IN" dirty="0"/>
               <a:t>Multithreading</a:t>
             </a:r>
-            <a:endParaRPr lang="en-IN" dirty="0"/>
           </a:p>
         </p:txBody>
       </p:sp>
@@ -4718,16 +4614,12 @@
           <a:p>
             <a:pPr lvl="1"/>
             <a:r>
-              <a:rPr lang="en-US" dirty="0" err="1" smtClean="0"/>
+              <a:rPr lang="en-US" dirty="0" err="1"/>
               <a:t>getName</a:t>
             </a:r>
             <a:r>
-              <a:rPr lang="en-US" dirty="0" smtClean="0"/>
-              <a:t> - Obtain </a:t>
-            </a:r>
-            <a:r>
               <a:rPr lang="en-US" dirty="0"/>
-              <a:t>a thread’s name.</a:t>
+              <a:t> - Obtain a thread’s name.</a:t>
             </a:r>
           </a:p>
           <a:p>
@@ -4738,15 +4630,7 @@
             </a:r>
             <a:r>
               <a:rPr lang="en-US" dirty="0"/>
-              <a:t> </a:t>
-            </a:r>
-            <a:r>
-              <a:rPr lang="en-US" dirty="0" smtClean="0"/>
-              <a:t>- Obtain </a:t>
-            </a:r>
-            <a:r>
-              <a:rPr lang="en-US" dirty="0"/>
-              <a:t>a thread’s priority.</a:t>
+              <a:t> - Obtain a thread’s priority.</a:t>
             </a:r>
           </a:p>
           <a:p>
@@ -4757,71 +4641,35 @@
             </a:r>
             <a:r>
               <a:rPr lang="en-US" dirty="0"/>
-              <a:t> </a:t>
-            </a:r>
-            <a:r>
-              <a:rPr lang="en-US" dirty="0" smtClean="0"/>
-              <a:t>- Determine </a:t>
-            </a:r>
+              <a:t> - Determine if a thread is still running.</a:t>
+            </a:r>
+          </a:p>
+          <a:p>
+            <a:pPr lvl="1"/>
             <a:r>
               <a:rPr lang="en-US" dirty="0"/>
-              <a:t>if a thread is still running.</a:t>
+              <a:t>join - Wait for a thread to terminate.</a:t>
             </a:r>
           </a:p>
           <a:p>
             <a:pPr lvl="1"/>
             <a:r>
               <a:rPr lang="en-US" dirty="0"/>
-              <a:t>join </a:t>
-            </a:r>
-            <a:r>
-              <a:rPr lang="en-US" dirty="0" smtClean="0"/>
-              <a:t>- Wait </a:t>
-            </a:r>
+              <a:t>run - Entry point for the thread.</a:t>
+            </a:r>
+          </a:p>
+          <a:p>
+            <a:pPr lvl="1"/>
             <a:r>
               <a:rPr lang="en-US" dirty="0"/>
-              <a:t>for a thread to terminate.</a:t>
+              <a:t>sleep - Suspend a thread for a period of time.</a:t>
             </a:r>
           </a:p>
           <a:p>
             <a:pPr lvl="1"/>
             <a:r>
               <a:rPr lang="en-US" dirty="0"/>
-              <a:t>run </a:t>
-            </a:r>
-            <a:r>
-              <a:rPr lang="en-US" dirty="0" smtClean="0"/>
-              <a:t>- Entry </a:t>
-            </a:r>
-            <a:r>
-              <a:rPr lang="en-US" dirty="0"/>
-              <a:t>point for the thread.</a:t>
-            </a:r>
-          </a:p>
-          <a:p>
-            <a:pPr lvl="1"/>
-            <a:r>
-              <a:rPr lang="en-US" dirty="0"/>
-              <a:t>sleep </a:t>
-            </a:r>
-            <a:r>
-              <a:rPr lang="en-US" dirty="0" smtClean="0"/>
-              <a:t>- Suspend </a:t>
-            </a:r>
-            <a:r>
-              <a:rPr lang="en-US" dirty="0"/>
-              <a:t>a thread for a period of time.</a:t>
-            </a:r>
-          </a:p>
-          <a:p>
-            <a:pPr lvl="1"/>
-            <a:r>
-              <a:rPr lang="en-US" dirty="0" smtClean="0"/>
-              <a:t>Start -  </a:t>
-            </a:r>
-            <a:r>
-              <a:rPr lang="en-US" dirty="0"/>
-              <a:t>Start a thread by calling its run method.</a:t>
+              <a:t>Start -  Start a thread by calling its run method.</a:t>
             </a:r>
             <a:endParaRPr lang="en-IN" dirty="0"/>
           </a:p>
@@ -4837,13 +4685,6 @@
   <p:clrMapOvr>
     <a:masterClrMapping/>
   </p:clrMapOvr>
-  <p:timing>
-    <p:tnLst>
-      <p:par>
-        <p:cTn id="1" dur="indefinite" restart="never" nodeType="tmRoot"/>
-      </p:par>
-    </p:tnLst>
-  </p:timing>
 </p:sld>
 </file>
 
@@ -4880,7 +4721,7 @@
           <a:lstStyle/>
           <a:p>
             <a:r>
-              <a:rPr lang="en-IN" smtClean="0"/>
+              <a:rPr lang="en-IN"/>
               <a:t>Creating a Thread</a:t>
             </a:r>
             <a:endParaRPr lang="en-IN" dirty="0"/>
@@ -4903,19 +4744,19 @@
           <a:lstStyle/>
           <a:p>
             <a:r>
-              <a:rPr lang="en-US" dirty="0" smtClean="0"/>
+              <a:rPr lang="en-US" dirty="0"/>
               <a:t>You can implement the Runnable interface.</a:t>
             </a:r>
           </a:p>
           <a:p>
             <a:r>
-              <a:rPr lang="en-US" dirty="0" smtClean="0"/>
+              <a:rPr lang="en-US" dirty="0"/>
               <a:t>You can extend the Thread class, itself.</a:t>
             </a:r>
           </a:p>
           <a:p>
             <a:r>
-              <a:rPr lang="en-US" dirty="0" smtClean="0"/>
+              <a:rPr lang="en-US" dirty="0"/>
               <a:t>Refer CreateThread.pdf</a:t>
             </a:r>
           </a:p>
@@ -4941,13 +4782,6 @@
   <p:clrMapOvr>
     <a:masterClrMapping/>
   </p:clrMapOvr>
-  <p:timing>
-    <p:tnLst>
-      <p:par>
-        <p:cTn id="1" dur="indefinite" restart="never" nodeType="tmRoot"/>
-      </p:par>
-    </p:tnLst>
-  </p:timing>
 </p:sld>
 </file>
 
@@ -4984,10 +4818,9 @@
           <a:lstStyle/>
           <a:p>
             <a:r>
-              <a:rPr lang="en-IN" dirty="0" smtClean="0"/>
+              <a:rPr lang="en-IN" dirty="0"/>
               <a:t>Multiple Threads</a:t>
             </a:r>
-            <a:endParaRPr lang="en-IN" dirty="0"/>
           </a:p>
         </p:txBody>
       </p:sp>
@@ -5008,24 +4841,12 @@
           <a:p>
             <a:r>
               <a:rPr lang="en-US" dirty="0"/>
-              <a:t>P</a:t>
-            </a:r>
-            <a:r>
-              <a:rPr lang="en-US" dirty="0" smtClean="0"/>
-              <a:t>rogram </a:t>
-            </a:r>
+              <a:t>Program can spawn as many threads as it needs</a:t>
+            </a:r>
+          </a:p>
+          <a:p>
             <a:r>
               <a:rPr lang="en-US" dirty="0"/>
-              <a:t>can spawn as many threads as it </a:t>
-            </a:r>
-            <a:r>
-              <a:rPr lang="en-US" dirty="0" smtClean="0"/>
-              <a:t>needs</a:t>
-            </a:r>
-          </a:p>
-          <a:p>
-            <a:r>
-              <a:rPr lang="en-US" dirty="0" smtClean="0"/>
               <a:t>Refer MultipleThread.pdf</a:t>
             </a:r>
             <a:endParaRPr lang="en-IN" dirty="0"/>
@@ -5042,13 +4863,6 @@
   <p:clrMapOvr>
     <a:masterClrMapping/>
   </p:clrMapOvr>
-  <p:timing>
-    <p:tnLst>
-      <p:par>
-        <p:cTn id="1" dur="indefinite" restart="never" nodeType="tmRoot"/>
-      </p:par>
-    </p:tnLst>
-  </p:timing>
 </p:sld>
 </file>
 
@@ -5085,14 +4899,13 @@
           <a:lstStyle/>
           <a:p>
             <a:r>
-              <a:rPr lang="en-IN" dirty="0" err="1" smtClean="0"/>
+              <a:rPr lang="en-IN" dirty="0" err="1"/>
               <a:t>isAlive</a:t>
             </a:r>
             <a:r>
-              <a:rPr lang="en-IN" dirty="0" smtClean="0"/>
+              <a:rPr lang="en-IN" dirty="0"/>
               <a:t> and join</a:t>
             </a:r>
-            <a:endParaRPr lang="en-IN" dirty="0"/>
           </a:p>
         </p:txBody>
       </p:sp>
@@ -5133,23 +4946,15 @@
             </a:r>
             <a:r>
               <a:rPr lang="en-US" dirty="0"/>
-              <a:t>if the thread upon which it is called is still running. It </a:t>
-            </a:r>
-            <a:r>
-              <a:rPr lang="en-US" dirty="0" smtClean="0"/>
-              <a:t>returns </a:t>
-            </a:r>
-            <a:r>
-              <a:rPr lang="en-IN" b="1" dirty="0" smtClean="0"/>
+              <a:t>if the thread upon which it is called is still running. It returns </a:t>
+            </a:r>
+            <a:r>
+              <a:rPr lang="en-IN" b="1" dirty="0"/>
               <a:t>false </a:t>
             </a:r>
             <a:r>
               <a:rPr lang="en-IN" dirty="0"/>
-              <a:t>otherwise</a:t>
-            </a:r>
-            <a:r>
-              <a:rPr lang="en-IN" dirty="0" smtClean="0"/>
-              <a:t>.</a:t>
+              <a:t>otherwise.</a:t>
             </a:r>
           </a:p>
           <a:p>
@@ -5157,7 +4962,6 @@
               <a:rPr lang="en-US" dirty="0"/>
               <a:t>The join method allows one thread to wait for the completion of another. </a:t>
             </a:r>
-            <a:endParaRPr lang="en-US" dirty="0" smtClean="0"/>
           </a:p>
           <a:p>
             <a:pPr marL="274320" lvl="1" indent="0">
@@ -5174,24 +4978,8 @@
           </a:p>
           <a:p>
             <a:r>
-              <a:rPr lang="en-US" dirty="0" smtClean="0"/>
-              <a:t>If </a:t>
-            </a:r>
-            <a:r>
               <a:rPr lang="en-US" dirty="0"/>
-              <a:t>t is a Thread object whose thread is currently </a:t>
-            </a:r>
-            <a:r>
-              <a:rPr lang="en-US" dirty="0" smtClean="0"/>
-              <a:t>executing, causes </a:t>
-            </a:r>
-            <a:r>
-              <a:rPr lang="en-US" dirty="0"/>
-              <a:t>the current thread to pause execution until t's thread terminates</a:t>
-            </a:r>
-            <a:r>
-              <a:rPr lang="en-US" dirty="0" smtClean="0"/>
-              <a:t>.</a:t>
+              <a:t>If t is a Thread object whose thread is currently executing, causes the current thread to pause execution until t's thread terminates.</a:t>
             </a:r>
           </a:p>
         </p:txBody>
@@ -5242,10 +5030,9 @@
           <a:lstStyle/>
           <a:p>
             <a:r>
-              <a:rPr lang="en-IN" dirty="0" smtClean="0"/>
+              <a:rPr lang="en-IN" dirty="0"/>
               <a:t>Join ( )</a:t>
             </a:r>
-            <a:endParaRPr lang="en-IN" dirty="0"/>
           </a:p>
         </p:txBody>
       </p:sp>
@@ -5275,34 +5062,21 @@
               <a:rPr lang="en-US" dirty="0"/>
               <a:t>Join method from Thread class is an important method and used to impose order on execution of multiple Threads. </a:t>
             </a:r>
-            <a:endParaRPr lang="en-US" dirty="0" smtClean="0"/>
-          </a:p>
-          <a:p>
-            <a:r>
-              <a:rPr lang="en-US" dirty="0" smtClean="0"/>
-              <a:t>“</a:t>
-            </a:r>
+          </a:p>
+          <a:p>
             <a:r>
               <a:rPr lang="en-US" dirty="0"/>
-              <a:t>You have three threads T1, T2, and T3, How do you ensure that they finish in order T1, T2, T3 ?.</a:t>
+              <a:t>“You have three threads T1, T2, and T3, How do you ensure that they finish in order T1, T2, T3 ?.</a:t>
             </a:r>
             <a:br>
               <a:rPr lang="en-US" dirty="0"/>
             </a:br>
-            <a:endParaRPr lang="en-US" dirty="0" smtClean="0"/>
-          </a:p>
-          <a:p>
-            <a:r>
-              <a:rPr lang="en-US" dirty="0" smtClean="0"/>
-              <a:t>By </a:t>
-            </a:r>
+            <a:endParaRPr lang="en-US" dirty="0"/>
+          </a:p>
+          <a:p>
             <a:r>
               <a:rPr lang="en-US" dirty="0"/>
-              <a:t>calling T1.join() from T2 and T2.join() from T3. In this case thread, T1 will finish first, followed by T2 and T3</a:t>
-            </a:r>
-            <a:r>
-              <a:rPr lang="en-US" dirty="0" smtClean="0"/>
-              <a:t>.</a:t>
+              <a:t>By calling T1.join() from T2 and T2.join() from T3. In this case thread, T1 will finish first, followed by T2 and T3.</a:t>
             </a:r>
           </a:p>
           <a:p>
@@ -5318,16 +5092,11 @@
               <a:rPr lang="en-US" dirty="0"/>
               <a:t>() is to wait for another thread and start execution once that Thread has completed execution or died. </a:t>
             </a:r>
-            <a:endParaRPr lang="en-US" dirty="0" smtClean="0"/>
-          </a:p>
-          <a:p>
-            <a:r>
-              <a:rPr lang="en-US" dirty="0" smtClean="0"/>
-              <a:t>Join </a:t>
-            </a:r>
+          </a:p>
+          <a:p>
             <a:r>
               <a:rPr lang="en-US" dirty="0"/>
-              <a:t>is also a </a:t>
+              <a:t>Join is also a </a:t>
             </a:r>
             <a:r>
               <a:rPr lang="en-US" dirty="0">
@@ -5337,25 +5106,17 @@
             </a:r>
             <a:r>
               <a:rPr lang="en-US" dirty="0"/>
-              <a:t> which blocks until the thread on which join has called die or specified waiting time is over</a:t>
-            </a:r>
-            <a:r>
-              <a:rPr lang="en-US" dirty="0" smtClean="0"/>
-              <a:t>.</a:t>
-            </a:r>
-          </a:p>
-          <a:p>
-            <a:r>
-              <a:rPr lang="en-US" dirty="0" smtClean="0"/>
+              <a:t> which blocks until the thread on which join has called die or specified waiting time is over.</a:t>
+            </a:r>
+          </a:p>
+          <a:p>
+            <a:r>
+              <a:rPr lang="en-US" dirty="0"/>
               <a:t>Refer </a:t>
             </a:r>
             <a:r>
-              <a:rPr lang="en-US" smtClean="0"/>
+              <a:rPr lang="en-US"/>
               <a:t>SimpleJoin.pdf </a:t>
-            </a:r>
-            <a:r>
-              <a:rPr lang="en-US" dirty="0"/>
-              <a:t/>
             </a:r>
             <a:br>
               <a:rPr lang="en-US" dirty="0"/>

--- a/Reference materials/Advanced JAVA/2 Multithreading.pptx
+++ b/Reference materials/Advanced JAVA/2 Multithreading.pptx
@@ -217,7 +217,7 @@
           <a:p>
             <a:fld id="{CBDFB359-B0C7-4C2A-B5E6-DC0AAC7DC740}" type="datetimeFigureOut">
               <a:rPr lang="en-IN" smtClean="0"/>
-              <a:t>22-04-2021</a:t>
+              <a:t>30-03-2021</a:t>
             </a:fld>
             <a:endParaRPr lang="en-IN"/>
           </a:p>
@@ -679,7 +679,7 @@
             <a:fld id="{1D8BD707-D9CF-40AE-B4C6-C98DA3205C09}" type="datetimeFigureOut">
               <a:rPr lang="en-US" smtClean="0"/>
               <a:pPr/>
-              <a:t>4/22/2021</a:t>
+              <a:t>3/30/2021</a:t>
             </a:fld>
             <a:endParaRPr lang="en-US"/>
           </a:p>
@@ -1032,7 +1032,7 @@
             <a:fld id="{1D8BD707-D9CF-40AE-B4C6-C98DA3205C09}" type="datetimeFigureOut">
               <a:rPr lang="en-US" smtClean="0"/>
               <a:pPr/>
-              <a:t>4/22/2021</a:t>
+              <a:t>3/30/2021</a:t>
             </a:fld>
             <a:endParaRPr lang="en-US"/>
           </a:p>
@@ -1208,7 +1208,7 @@
             <a:fld id="{1D8BD707-D9CF-40AE-B4C6-C98DA3205C09}" type="datetimeFigureOut">
               <a:rPr lang="en-US" smtClean="0"/>
               <a:pPr/>
-              <a:t>4/22/2021</a:t>
+              <a:t>3/30/2021</a:t>
             </a:fld>
             <a:endParaRPr lang="en-US"/>
           </a:p>
@@ -1322,7 +1322,7 @@
             <a:fld id="{1D8BD707-D9CF-40AE-B4C6-C98DA3205C09}" type="datetimeFigureOut">
               <a:rPr lang="en-US" smtClean="0"/>
               <a:pPr/>
-              <a:t>4/22/2021</a:t>
+              <a:t>3/30/2021</a:t>
             </a:fld>
             <a:endParaRPr lang="en-US"/>
           </a:p>
@@ -1681,7 +1681,7 @@
             <a:fld id="{1D8BD707-D9CF-40AE-B4C6-C98DA3205C09}" type="datetimeFigureOut">
               <a:rPr lang="en-US" smtClean="0"/>
               <a:pPr/>
-              <a:t>4/22/2021</a:t>
+              <a:t>3/30/2021</a:t>
             </a:fld>
             <a:endParaRPr lang="en-US"/>
           </a:p>
@@ -1947,7 +1947,7 @@
             <a:fld id="{1D8BD707-D9CF-40AE-B4C6-C98DA3205C09}" type="datetimeFigureOut">
               <a:rPr lang="en-US" smtClean="0"/>
               <a:pPr/>
-              <a:t>4/22/2021</a:t>
+              <a:t>3/30/2021</a:t>
             </a:fld>
             <a:endParaRPr lang="en-US"/>
           </a:p>
@@ -2310,7 +2310,7 @@
             <a:fld id="{1D8BD707-D9CF-40AE-B4C6-C98DA3205C09}" type="datetimeFigureOut">
               <a:rPr lang="en-US" smtClean="0"/>
               <a:pPr/>
-              <a:t>4/22/2021</a:t>
+              <a:t>3/30/2021</a:t>
             </a:fld>
             <a:endParaRPr lang="en-US"/>
           </a:p>
@@ -2538,7 +2538,7 @@
             <a:fld id="{1D8BD707-D9CF-40AE-B4C6-C98DA3205C09}" type="datetimeFigureOut">
               <a:rPr lang="en-US" smtClean="0"/>
               <a:pPr/>
-              <a:t>4/22/2021</a:t>
+              <a:t>3/30/2021</a:t>
             </a:fld>
             <a:endParaRPr lang="en-US"/>
           </a:p>
@@ -2630,7 +2630,7 @@
             <a:fld id="{1D8BD707-D9CF-40AE-B4C6-C98DA3205C09}" type="datetimeFigureOut">
               <a:rPr lang="en-US" smtClean="0"/>
               <a:pPr/>
-              <a:t>4/22/2021</a:t>
+              <a:t>3/30/2021</a:t>
             </a:fld>
             <a:endParaRPr lang="en-US"/>
           </a:p>
@@ -2898,7 +2898,7 @@
             <a:fld id="{1D8BD707-D9CF-40AE-B4C6-C98DA3205C09}" type="datetimeFigureOut">
               <a:rPr lang="en-US" smtClean="0"/>
               <a:pPr/>
-              <a:t>4/22/2021</a:t>
+              <a:t>3/30/2021</a:t>
             </a:fld>
             <a:endParaRPr lang="en-US"/>
           </a:p>
@@ -3127,7 +3127,7 @@
             <a:fld id="{1D8BD707-D9CF-40AE-B4C6-C98DA3205C09}" type="datetimeFigureOut">
               <a:rPr lang="en-US" smtClean="0"/>
               <a:pPr/>
-              <a:t>4/22/2021</a:t>
+              <a:t>3/30/2021</a:t>
             </a:fld>
             <a:endParaRPr lang="en-US"/>
           </a:p>
@@ -3626,7 +3626,7 @@
             <a:fld id="{1D8BD707-D9CF-40AE-B4C6-C98DA3205C09}" type="datetimeFigureOut">
               <a:rPr lang="en-US" smtClean="0"/>
               <a:pPr/>
-              <a:t>4/22/2021</a:t>
+              <a:t>3/30/2021</a:t>
             </a:fld>
             <a:endParaRPr lang="en-US"/>
           </a:p>
